--- a/03-Cookbooks-windows.pptx
+++ b/03-Cookbooks-windows.pptx
@@ -6,17 +6,47 @@
     <p:sldMasterId id="2147483847" r:id="rId6"/>
   </p:sldMasterIdLst>
   <p:notesMasterIdLst>
-    <p:notesMasterId r:id="rId12"/>
+    <p:notesMasterId r:id="rId42"/>
   </p:notesMasterIdLst>
   <p:handoutMasterIdLst>
-    <p:handoutMasterId r:id="rId13"/>
+    <p:handoutMasterId r:id="rId43"/>
   </p:handoutMasterIdLst>
   <p:sldIdLst>
     <p:sldId id="256" r:id="rId7"/>
     <p:sldId id="257" r:id="rId8"/>
-    <p:sldId id="275" r:id="rId9"/>
-    <p:sldId id="276" r:id="rId10"/>
-    <p:sldId id="267" r:id="rId11"/>
+    <p:sldId id="277" r:id="rId9"/>
+    <p:sldId id="282" r:id="rId10"/>
+    <p:sldId id="283" r:id="rId11"/>
+    <p:sldId id="284" r:id="rId12"/>
+    <p:sldId id="285" r:id="rId13"/>
+    <p:sldId id="286" r:id="rId14"/>
+    <p:sldId id="278" r:id="rId15"/>
+    <p:sldId id="287" r:id="rId16"/>
+    <p:sldId id="288" r:id="rId17"/>
+    <p:sldId id="289" r:id="rId18"/>
+    <p:sldId id="290" r:id="rId19"/>
+    <p:sldId id="291" r:id="rId20"/>
+    <p:sldId id="293" r:id="rId21"/>
+    <p:sldId id="279" r:id="rId22"/>
+    <p:sldId id="299" r:id="rId23"/>
+    <p:sldId id="300" r:id="rId24"/>
+    <p:sldId id="292" r:id="rId25"/>
+    <p:sldId id="294" r:id="rId26"/>
+    <p:sldId id="295" r:id="rId27"/>
+    <p:sldId id="302" r:id="rId28"/>
+    <p:sldId id="303" r:id="rId29"/>
+    <p:sldId id="280" r:id="rId30"/>
+    <p:sldId id="298" r:id="rId31"/>
+    <p:sldId id="297" r:id="rId32"/>
+    <p:sldId id="304" r:id="rId33"/>
+    <p:sldId id="281" r:id="rId34"/>
+    <p:sldId id="305" r:id="rId35"/>
+    <p:sldId id="306" r:id="rId36"/>
+    <p:sldId id="307" r:id="rId37"/>
+    <p:sldId id="308" r:id="rId38"/>
+    <p:sldId id="275" r:id="rId39"/>
+    <p:sldId id="276" r:id="rId40"/>
+    <p:sldId id="267" r:id="rId41"/>
   </p:sldIdLst>
   <p:sldSz cx="16256000" cy="9144000"/>
   <p:notesSz cx="6858000" cy="9144000"/>
@@ -278,7 +308,7 @@
               <a:pPr>
                 <a:defRPr/>
               </a:pPr>
-              <a:t>2015-11-02</a:t>
+              <a:t>2015-11-10</a:t>
             </a:fld>
             <a:endParaRPr lang="en-US" dirty="0"/>
           </a:p>
@@ -461,7 +491,7 @@
               <a:pPr>
                 <a:defRPr/>
               </a:pPr>
-              <a:t>2015-11-02</a:t>
+              <a:t>2015-11-10</a:t>
             </a:fld>
             <a:endParaRPr lang="en-US" dirty="0"/>
           </a:p>
@@ -1427,14 +1457,14 @@
           </a:ln>
           <a:extLst>
             <a:ext uri="{909E8E84-426E-40dd-AFC4-6F175D3DCCD1}">
-              <a14:hiddenFill xmlns:a14="http://schemas.microsoft.com/office/drawing/2010/main" xmlns="">
+              <a14:hiddenFill xmlns="" xmlns:a14="http://schemas.microsoft.com/office/drawing/2010/main">
                 <a:solidFill>
                   <a:srgbClr val="FFFFFF"/>
                 </a:solidFill>
               </a14:hiddenFill>
             </a:ext>
             <a:ext uri="{91240B29-F687-4f45-9708-019B960494DF}">
-              <a14:hiddenLine xmlns:a14="http://schemas.microsoft.com/office/drawing/2010/main" xmlns="" w="9525">
+              <a14:hiddenLine xmlns="" xmlns:a14="http://schemas.microsoft.com/office/drawing/2010/main" w="9525">
                 <a:solidFill>
                   <a:srgbClr val="000000"/>
                 </a:solidFill>
@@ -1582,14 +1612,14 @@
           </a:ln>
           <a:extLst>
             <a:ext uri="{909E8E84-426E-40dd-AFC4-6F175D3DCCD1}">
-              <a14:hiddenFill xmlns:a14="http://schemas.microsoft.com/office/drawing/2010/main" xmlns="">
+              <a14:hiddenFill xmlns="" xmlns:a14="http://schemas.microsoft.com/office/drawing/2010/main">
                 <a:solidFill>
                   <a:srgbClr val="FFFFFF"/>
                 </a:solidFill>
               </a14:hiddenFill>
             </a:ext>
             <a:ext uri="{91240B29-F687-4f45-9708-019B960494DF}">
-              <a14:hiddenLine xmlns:a14="http://schemas.microsoft.com/office/drawing/2010/main" xmlns="" w="9525">
+              <a14:hiddenLine xmlns="" xmlns:a14="http://schemas.microsoft.com/office/drawing/2010/main" w="9525">
                 <a:solidFill>
                   <a:srgbClr val="000000"/>
                 </a:solidFill>
@@ -2080,14 +2110,14 @@
           </a:ln>
           <a:extLst>
             <a:ext uri="{909E8E84-426E-40dd-AFC4-6F175D3DCCD1}">
-              <a14:hiddenFill xmlns:a14="http://schemas.microsoft.com/office/drawing/2010/main" xmlns="">
+              <a14:hiddenFill xmlns="" xmlns:a14="http://schemas.microsoft.com/office/drawing/2010/main">
                 <a:solidFill>
                   <a:srgbClr val="FFFFFF"/>
                 </a:solidFill>
               </a14:hiddenFill>
             </a:ext>
             <a:ext uri="{91240B29-F687-4f45-9708-019B960494DF}">
-              <a14:hiddenLine xmlns:a14="http://schemas.microsoft.com/office/drawing/2010/main" xmlns="" w="9525">
+              <a14:hiddenLine xmlns="" xmlns:a14="http://schemas.microsoft.com/office/drawing/2010/main" w="9525">
                 <a:solidFill>
                   <a:srgbClr val="000000"/>
                 </a:solidFill>
@@ -3536,14 +3566,14 @@
           </a:ln>
           <a:extLst>
             <a:ext uri="{909E8E84-426E-40dd-AFC4-6F175D3DCCD1}">
-              <a14:hiddenFill xmlns:a14="http://schemas.microsoft.com/office/drawing/2010/main" xmlns="">
+              <a14:hiddenFill xmlns="" xmlns:a14="http://schemas.microsoft.com/office/drawing/2010/main">
                 <a:solidFill>
                   <a:srgbClr val="FFFFFF"/>
                 </a:solidFill>
               </a14:hiddenFill>
             </a:ext>
             <a:ext uri="{91240B29-F687-4f45-9708-019B960494DF}">
-              <a14:hiddenLine xmlns:a14="http://schemas.microsoft.com/office/drawing/2010/main" xmlns="" w="9525">
+              <a14:hiddenLine xmlns="" xmlns:a14="http://schemas.microsoft.com/office/drawing/2010/main" w="9525">
                 <a:solidFill>
                   <a:srgbClr val="000000"/>
                 </a:solidFill>
@@ -4820,6 +4850,744 @@
   </p:cSld>
   <p:clrMapOvr>
     <a:masterClrMapping/>
+  </p:clrMapOvr>
+  <p:transition spd="med">
+    <p:fade/>
+  </p:transition>
+</p:sldLayout>
+</file>
+
+<file path=ppt/slideLayouts/slideLayout21.xml><?xml version="1.0" encoding="utf-8"?>
+<p:sldLayout xmlns:a="http://schemas.openxmlformats.org/drawingml/2006/main" xmlns:r="http://schemas.openxmlformats.org/officeDocument/2006/relationships" xmlns:p="http://schemas.openxmlformats.org/presentationml/2006/main" userDrawn="1">
+  <p:cSld name="File">
+    <p:bg>
+      <p:bgPr>
+        <a:gradFill>
+          <a:gsLst>
+            <a:gs pos="0">
+              <a:schemeClr val="bg2">
+                <a:lumMod val="95000"/>
+              </a:schemeClr>
+            </a:gs>
+            <a:gs pos="100000">
+              <a:schemeClr val="bg2"/>
+            </a:gs>
+          </a:gsLst>
+          <a:lin ang="5400000" scaled="1"/>
+        </a:gradFill>
+        <a:effectLst/>
+      </p:bgPr>
+    </p:bg>
+    <p:spTree>
+      <p:nvGrpSpPr>
+        <p:cNvPr id="1" name=""/>
+        <p:cNvGrpSpPr/>
+        <p:nvPr/>
+      </p:nvGrpSpPr>
+      <p:grpSpPr>
+        <a:xfrm>
+          <a:off x="0" y="0"/>
+          <a:ext cx="0" cy="0"/>
+          <a:chOff x="0" y="0"/>
+          <a:chExt cx="0" cy="0"/>
+        </a:xfrm>
+      </p:grpSpPr>
+      <p:pic>
+        <p:nvPicPr>
+          <p:cNvPr id="7" name="Picture 8"/>
+          <p:cNvPicPr>
+            <a:picLocks noChangeAspect="1"/>
+          </p:cNvPicPr>
+          <p:nvPr/>
+        </p:nvPicPr>
+        <p:blipFill>
+          <a:blip r:embed="rId2">
+            <a:extLst>
+              <a:ext uri="{28A0092B-C50C-407E-A947-70E740481C1C}">
+                <a14:useLocalDpi xmlns:a14="http://schemas.microsoft.com/office/drawing/2010/main" val="0"/>
+              </a:ext>
+            </a:extLst>
+          </a:blip>
+          <a:srcRect/>
+          <a:stretch>
+            <a:fillRect/>
+          </a:stretch>
+        </p:blipFill>
+        <p:spPr bwMode="auto">
+          <a:xfrm>
+            <a:off x="603250" y="1336675"/>
+            <a:ext cx="412750" cy="571500"/>
+          </a:xfrm>
+          <a:prstGeom prst="rect">
+            <a:avLst/>
+          </a:prstGeom>
+          <a:noFill/>
+          <a:ln>
+            <a:noFill/>
+          </a:ln>
+          <a:extLst>
+            <a:ext uri="{909E8E84-426E-40dd-AFC4-6F175D3DCCD1}">
+              <a14:hiddenFill xmlns="" xmlns:a14="http://schemas.microsoft.com/office/drawing/2010/main">
+                <a:solidFill>
+                  <a:srgbClr val="FFFFFF"/>
+                </a:solidFill>
+              </a14:hiddenFill>
+            </a:ext>
+            <a:ext uri="{91240B29-F687-4f45-9708-019B960494DF}">
+              <a14:hiddenLine xmlns="" xmlns:a14="http://schemas.microsoft.com/office/drawing/2010/main" w="9525">
+                <a:solidFill>
+                  <a:srgbClr val="000000"/>
+                </a:solidFill>
+                <a:miter lim="800000"/>
+                <a:headEnd/>
+                <a:tailEnd/>
+              </a14:hiddenLine>
+            </a:ext>
+          </a:extLst>
+        </p:spPr>
+      </p:pic>
+      <p:sp>
+        <p:nvSpPr>
+          <p:cNvPr id="2" name="Title 1"/>
+          <p:cNvSpPr>
+            <a:spLocks noGrp="1"/>
+          </p:cNvSpPr>
+          <p:nvPr>
+            <p:ph type="title"/>
+          </p:nvPr>
+        </p:nvSpPr>
+        <p:spPr>
+          <a:xfrm>
+            <a:off x="609600" y="304800"/>
+            <a:ext cx="14935200" cy="827577"/>
+          </a:xfrm>
+        </p:spPr>
+        <p:txBody>
+          <a:bodyPr/>
+          <a:lstStyle>
+            <a:lvl1pPr>
+              <a:defRPr sz="5867"/>
+            </a:lvl1pPr>
+          </a:lstStyle>
+          <a:p>
+            <a:r>
+              <a:rPr lang="en-US" smtClean="0"/>
+              <a:t>Click to edit Master title style</a:t>
+            </a:r>
+            <a:endParaRPr lang="en-US" dirty="0"/>
+          </a:p>
+        </p:txBody>
+      </p:sp>
+      <p:sp>
+        <p:nvSpPr>
+          <p:cNvPr id="16" name="Content Placeholder 3"/>
+          <p:cNvSpPr>
+            <a:spLocks noGrp="1"/>
+          </p:cNvSpPr>
+          <p:nvPr>
+            <p:ph sz="quarter" idx="10" hasCustomPrompt="1"/>
+          </p:nvPr>
+        </p:nvSpPr>
+        <p:spPr>
+          <a:xfrm>
+            <a:off x="1121104" y="2113747"/>
+            <a:ext cx="14423693" cy="5951611"/>
+          </a:xfrm>
+          <a:prstGeom prst="rect">
+            <a:avLst/>
+          </a:prstGeom>
+          <a:ln w="12700">
+            <a:solidFill>
+              <a:schemeClr val="tx2"/>
+            </a:solidFill>
+            <a:prstDash val="dash"/>
+          </a:ln>
+        </p:spPr>
+        <p:txBody>
+          <a:bodyPr lIns="91440" tIns="45720" rIns="91440" bIns="45720">
+            <a:normAutofit/>
+          </a:bodyPr>
+          <a:lstStyle>
+            <a:lvl1pPr marL="0" marR="0" indent="0" algn="l" defTabSz="1219120" rtl="0" eaLnBrk="1" fontAlgn="auto" latinLnBrk="0" hangingPunct="1">
+              <a:lnSpc>
+                <a:spcPct val="100000"/>
+              </a:lnSpc>
+              <a:spcBef>
+                <a:spcPts val="800"/>
+              </a:spcBef>
+              <a:spcAft>
+                <a:spcPts val="0"/>
+              </a:spcAft>
+              <a:buClrTx/>
+              <a:buSzPct val="90000"/>
+              <a:buFont typeface="Arial" pitchFamily="34" charset="0"/>
+              <a:buNone/>
+              <a:tabLst/>
+              <a:defRPr sz="2800">
+                <a:latin typeface="Courier New" panose="02070309020205020404" pitchFamily="49" charset="0"/>
+                <a:cs typeface="Courier New" panose="02070309020205020404" pitchFamily="49" charset="0"/>
+              </a:defRPr>
+            </a:lvl1pPr>
+            <a:lvl2pPr>
+              <a:defRPr sz="3200"/>
+            </a:lvl2pPr>
+            <a:lvl3pPr>
+              <a:defRPr sz="3200"/>
+            </a:lvl3pPr>
+            <a:lvl4pPr>
+              <a:defRPr sz="3200"/>
+            </a:lvl4pPr>
+            <a:lvl5pPr>
+              <a:defRPr sz="3200"/>
+            </a:lvl5pPr>
+          </a:lstStyle>
+          <a:p>
+            <a:pPr lvl="0"/>
+            <a:r>
+              <a:rPr lang="en-US" dirty="0" smtClean="0"/>
+              <a:t>SOURCE</a:t>
+            </a:r>
+          </a:p>
+        </p:txBody>
+      </p:sp>
+      <p:sp>
+        <p:nvSpPr>
+          <p:cNvPr id="5" name="Text Placeholder 4"/>
+          <p:cNvSpPr>
+            <a:spLocks noGrp="1"/>
+          </p:cNvSpPr>
+          <p:nvPr>
+            <p:ph type="body" sz="quarter" idx="11" hasCustomPrompt="1"/>
+          </p:nvPr>
+        </p:nvSpPr>
+        <p:spPr>
+          <a:xfrm>
+            <a:off x="1121104" y="1337150"/>
+            <a:ext cx="14422528" cy="566391"/>
+          </a:xfrm>
+          <a:prstGeom prst="rect">
+            <a:avLst/>
+          </a:prstGeom>
+          <a:solidFill>
+            <a:schemeClr val="bg1">
+              <a:lumMod val="85000"/>
+              <a:alpha val="50000"/>
+            </a:schemeClr>
+          </a:solidFill>
+        </p:spPr>
+        <p:txBody>
+          <a:bodyPr lIns="91440" bIns="91440" anchor="ctr" anchorCtr="0">
+            <a:noAutofit/>
+          </a:bodyPr>
+          <a:lstStyle>
+            <a:lvl1pPr marL="0" indent="0">
+              <a:buNone/>
+              <a:defRPr sz="2800" b="1">
+                <a:latin typeface="Courier New" panose="02070309020205020404" pitchFamily="49" charset="0"/>
+                <a:cs typeface="Courier New" panose="02070309020205020404" pitchFamily="49" charset="0"/>
+              </a:defRPr>
+            </a:lvl1pPr>
+          </a:lstStyle>
+          <a:p>
+            <a:pPr lvl="0"/>
+            <a:r>
+              <a:rPr lang="en-US" dirty="0" smtClean="0"/>
+              <a:t>/</a:t>
+            </a:r>
+            <a:r>
+              <a:rPr lang="en-US" dirty="0" err="1" smtClean="0"/>
+              <a:t>filepath</a:t>
+            </a:r>
+            <a:r>
+              <a:rPr lang="en-US" dirty="0" smtClean="0"/>
+              <a:t>/</a:t>
+            </a:r>
+            <a:r>
+              <a:rPr lang="en-US" dirty="0" err="1" smtClean="0"/>
+              <a:t>file.rb</a:t>
+            </a:r>
+            <a:endParaRPr lang="en-US" dirty="0" smtClean="0"/>
+          </a:p>
+        </p:txBody>
+      </p:sp>
+      <p:sp>
+        <p:nvSpPr>
+          <p:cNvPr id="19" name="Text Placeholder 13"/>
+          <p:cNvSpPr>
+            <a:spLocks noGrp="1"/>
+          </p:cNvSpPr>
+          <p:nvPr>
+            <p:ph type="body" sz="quarter" idx="12" hasCustomPrompt="1"/>
+          </p:nvPr>
+        </p:nvSpPr>
+        <p:spPr>
+          <a:xfrm>
+            <a:off x="1124446" y="3538306"/>
+            <a:ext cx="14404273" cy="659007"/>
+          </a:xfrm>
+          <a:prstGeom prst="rect">
+            <a:avLst/>
+          </a:prstGeom>
+          <a:solidFill>
+            <a:srgbClr val="FF0000">
+              <a:alpha val="25000"/>
+            </a:srgbClr>
+          </a:solidFill>
+        </p:spPr>
+        <p:txBody>
+          <a:bodyPr rIns="91440" bIns="594360">
+            <a:noAutofit/>
+          </a:bodyPr>
+          <a:lstStyle>
+            <a:lvl1pPr marL="0" indent="0" algn="r">
+              <a:buFontTx/>
+              <a:buNone/>
+              <a:defRPr sz="4267">
+                <a:latin typeface="Courier New"/>
+                <a:cs typeface="Courier New"/>
+              </a:defRPr>
+            </a:lvl1pPr>
+          </a:lstStyle>
+          <a:p>
+            <a:pPr lvl="0"/>
+            <a:r>
+              <a:rPr lang="en-US" dirty="0" smtClean="0"/>
+              <a:t>-</a:t>
+            </a:r>
+          </a:p>
+        </p:txBody>
+      </p:sp>
+      <p:sp>
+        <p:nvSpPr>
+          <p:cNvPr id="20" name="Text Placeholder 13"/>
+          <p:cNvSpPr>
+            <a:spLocks noGrp="1"/>
+          </p:cNvSpPr>
+          <p:nvPr>
+            <p:ph type="body" sz="quarter" idx="13" hasCustomPrompt="1"/>
+          </p:nvPr>
+        </p:nvSpPr>
+        <p:spPr>
+          <a:xfrm>
+            <a:off x="1135042" y="4206982"/>
+            <a:ext cx="14404273" cy="626533"/>
+          </a:xfrm>
+          <a:prstGeom prst="rect">
+            <a:avLst/>
+          </a:prstGeom>
+          <a:solidFill>
+            <a:srgbClr val="008000">
+              <a:alpha val="25000"/>
+            </a:srgbClr>
+          </a:solidFill>
+        </p:spPr>
+        <p:txBody>
+          <a:bodyPr rIns="91440" bIns="594360">
+            <a:noAutofit/>
+          </a:bodyPr>
+          <a:lstStyle>
+            <a:lvl1pPr marL="0" indent="0" algn="r">
+              <a:buFontTx/>
+              <a:buNone/>
+              <a:defRPr sz="4267">
+                <a:latin typeface="Courier New"/>
+                <a:cs typeface="Courier New"/>
+              </a:defRPr>
+            </a:lvl1pPr>
+          </a:lstStyle>
+          <a:p>
+            <a:pPr lvl="0"/>
+            <a:r>
+              <a:rPr lang="en-US" dirty="0" smtClean="0"/>
+              <a:t>+</a:t>
+            </a:r>
+          </a:p>
+        </p:txBody>
+      </p:sp>
+    </p:spTree>
+    <p:extLst>
+      <p:ext uri="{BB962C8B-B14F-4D97-AF65-F5344CB8AC3E}">
+        <p14:creationId xmlns:p14="http://schemas.microsoft.com/office/powerpoint/2010/main" val="1519966404"/>
+      </p:ext>
+    </p:extLst>
+  </p:cSld>
+  <p:clrMapOvr>
+    <a:overrideClrMapping bg1="lt1" tx1="dk1" bg2="lt2" tx2="dk2" accent1="accent1" accent2="accent2" accent3="accent3" accent4="accent4" accent5="accent5" accent6="accent6" hlink="hlink" folHlink="folHlink"/>
+  </p:clrMapOvr>
+  <p:transition spd="med">
+    <p:fade/>
+  </p:transition>
+</p:sldLayout>
+</file>
+
+<file path=ppt/slideLayouts/slideLayout22.xml><?xml version="1.0" encoding="utf-8"?>
+<p:sldLayout xmlns:a="http://schemas.openxmlformats.org/drawingml/2006/main" xmlns:r="http://schemas.openxmlformats.org/officeDocument/2006/relationships" xmlns:p="http://schemas.openxmlformats.org/presentationml/2006/main" userDrawn="1">
+  <p:cSld name="Command - Blue">
+    <p:bg>
+      <p:bgPr>
+        <a:gradFill>
+          <a:gsLst>
+            <a:gs pos="0">
+              <a:schemeClr val="bg2">
+                <a:lumMod val="95000"/>
+              </a:schemeClr>
+            </a:gs>
+            <a:gs pos="100000">
+              <a:schemeClr val="bg2"/>
+            </a:gs>
+          </a:gsLst>
+          <a:lin ang="5400000" scaled="1"/>
+        </a:gradFill>
+        <a:effectLst/>
+      </p:bgPr>
+    </p:bg>
+    <p:spTree>
+      <p:nvGrpSpPr>
+        <p:cNvPr id="1" name=""/>
+        <p:cNvGrpSpPr/>
+        <p:nvPr/>
+      </p:nvGrpSpPr>
+      <p:grpSpPr>
+        <a:xfrm>
+          <a:off x="0" y="0"/>
+          <a:ext cx="0" cy="0"/>
+          <a:chOff x="0" y="0"/>
+          <a:chExt cx="0" cy="0"/>
+        </a:xfrm>
+      </p:grpSpPr>
+      <p:pic>
+        <p:nvPicPr>
+          <p:cNvPr id="6" name="Picture 8"/>
+          <p:cNvPicPr>
+            <a:picLocks noChangeAspect="1"/>
+          </p:cNvPicPr>
+          <p:nvPr/>
+        </p:nvPicPr>
+        <p:blipFill>
+          <a:blip r:embed="rId2">
+            <a:extLst>
+              <a:ext uri="{28A0092B-C50C-407E-A947-70E740481C1C}">
+                <a14:useLocalDpi xmlns:a14="http://schemas.microsoft.com/office/drawing/2010/main" val="0"/>
+              </a:ext>
+            </a:extLst>
+          </a:blip>
+          <a:srcRect/>
+          <a:stretch>
+            <a:fillRect/>
+          </a:stretch>
+        </p:blipFill>
+        <p:spPr bwMode="auto">
+          <a:xfrm>
+            <a:off x="246063" y="1433513"/>
+            <a:ext cx="703262" cy="538162"/>
+          </a:xfrm>
+          <a:prstGeom prst="rect">
+            <a:avLst/>
+          </a:prstGeom>
+          <a:noFill/>
+          <a:ln>
+            <a:noFill/>
+          </a:ln>
+          <a:extLst>
+            <a:ext uri="{909E8E84-426E-40dd-AFC4-6F175D3DCCD1}">
+              <a14:hiddenFill xmlns="" xmlns:a14="http://schemas.microsoft.com/office/drawing/2010/main">
+                <a:solidFill>
+                  <a:srgbClr val="FFFFFF"/>
+                </a:solidFill>
+              </a14:hiddenFill>
+            </a:ext>
+            <a:ext uri="{91240B29-F687-4f45-9708-019B960494DF}">
+              <a14:hiddenLine xmlns="" xmlns:a14="http://schemas.microsoft.com/office/drawing/2010/main" w="9525">
+                <a:solidFill>
+                  <a:srgbClr val="000000"/>
+                </a:solidFill>
+                <a:miter lim="800000"/>
+                <a:headEnd/>
+                <a:tailEnd/>
+              </a14:hiddenLine>
+            </a:ext>
+          </a:extLst>
+        </p:spPr>
+      </p:pic>
+      <p:cxnSp>
+        <p:nvCxnSpPr>
+          <p:cNvPr id="7" name="Straight Connector 6"/>
+          <p:cNvCxnSpPr/>
+          <p:nvPr/>
+        </p:nvCxnSpPr>
+        <p:spPr>
+          <a:xfrm flipH="1">
+            <a:off x="0" y="8164513"/>
+            <a:ext cx="16256000" cy="36512"/>
+          </a:xfrm>
+          <a:prstGeom prst="line">
+            <a:avLst/>
+          </a:prstGeom>
+          <a:ln>
+            <a:solidFill>
+              <a:schemeClr val="accent1"/>
+            </a:solidFill>
+          </a:ln>
+        </p:spPr>
+        <p:style>
+          <a:lnRef idx="3">
+            <a:schemeClr val="accent1"/>
+          </a:lnRef>
+          <a:fillRef idx="0">
+            <a:schemeClr val="accent1"/>
+          </a:fillRef>
+          <a:effectRef idx="2">
+            <a:schemeClr val="accent1"/>
+          </a:effectRef>
+          <a:fontRef idx="minor">
+            <a:schemeClr val="tx1"/>
+          </a:fontRef>
+        </p:style>
+      </p:cxnSp>
+      <p:sp>
+        <p:nvSpPr>
+          <p:cNvPr id="2" name="Title 1"/>
+          <p:cNvSpPr>
+            <a:spLocks noGrp="1"/>
+          </p:cNvSpPr>
+          <p:nvPr>
+            <p:ph type="title"/>
+          </p:nvPr>
+        </p:nvSpPr>
+        <p:spPr>
+          <a:xfrm>
+            <a:off x="609600" y="304800"/>
+            <a:ext cx="14935200" cy="827577"/>
+          </a:xfrm>
+        </p:spPr>
+        <p:txBody>
+          <a:bodyPr/>
+          <a:lstStyle>
+            <a:lvl1pPr>
+              <a:defRPr sz="5867" baseline="0"/>
+            </a:lvl1pPr>
+          </a:lstStyle>
+          <a:p>
+            <a:r>
+              <a:rPr lang="en-US" smtClean="0"/>
+              <a:t>Click to edit Master title style</a:t>
+            </a:r>
+            <a:endParaRPr lang="en-US" dirty="0"/>
+          </a:p>
+        </p:txBody>
+      </p:sp>
+      <p:sp>
+        <p:nvSpPr>
+          <p:cNvPr id="16" name="Content Placeholder 3"/>
+          <p:cNvSpPr>
+            <a:spLocks noGrp="1"/>
+          </p:cNvSpPr>
+          <p:nvPr>
+            <p:ph sz="quarter" idx="10" hasCustomPrompt="1"/>
+          </p:nvPr>
+        </p:nvSpPr>
+        <p:spPr>
+          <a:xfrm>
+            <a:off x="1121104" y="2315963"/>
+            <a:ext cx="14423693" cy="5580480"/>
+          </a:xfrm>
+          <a:prstGeom prst="rect">
+            <a:avLst/>
+          </a:prstGeom>
+          <a:solidFill>
+            <a:schemeClr val="accent4">
+              <a:lumMod val="50000"/>
+            </a:schemeClr>
+          </a:solidFill>
+          <a:ln w="12700">
+            <a:solidFill>
+              <a:schemeClr val="tx2"/>
+            </a:solidFill>
+            <a:prstDash val="dash"/>
+          </a:ln>
+        </p:spPr>
+        <p:txBody>
+          <a:bodyPr lIns="91440" tIns="45720" rIns="91440" bIns="45720">
+            <a:noAutofit/>
+          </a:bodyPr>
+          <a:lstStyle>
+            <a:lvl1pPr marL="0" marR="0" indent="0" algn="l" defTabSz="1219120" rtl="0" eaLnBrk="1" fontAlgn="auto" latinLnBrk="0" hangingPunct="1">
+              <a:lnSpc>
+                <a:spcPct val="100000"/>
+              </a:lnSpc>
+              <a:spcBef>
+                <a:spcPts val="800"/>
+              </a:spcBef>
+              <a:spcAft>
+                <a:spcPts val="0"/>
+              </a:spcAft>
+              <a:buClrTx/>
+              <a:buSzPct val="90000"/>
+              <a:buFont typeface="Arial" pitchFamily="34" charset="0"/>
+              <a:buNone/>
+              <a:tabLst/>
+              <a:defRPr sz="2800">
+                <a:solidFill>
+                  <a:srgbClr val="FFFFFF"/>
+                </a:solidFill>
+                <a:latin typeface="Courier New"/>
+                <a:cs typeface="Courier New"/>
+              </a:defRPr>
+            </a:lvl1pPr>
+            <a:lvl2pPr>
+              <a:defRPr>
+                <a:solidFill>
+                  <a:srgbClr val="FFFFFF"/>
+                </a:solidFill>
+              </a:defRPr>
+            </a:lvl2pPr>
+            <a:lvl3pPr>
+              <a:defRPr>
+                <a:solidFill>
+                  <a:srgbClr val="FFFFFF"/>
+                </a:solidFill>
+              </a:defRPr>
+            </a:lvl3pPr>
+            <a:lvl4pPr>
+              <a:defRPr>
+                <a:solidFill>
+                  <a:srgbClr val="FFFFFF"/>
+                </a:solidFill>
+              </a:defRPr>
+            </a:lvl4pPr>
+            <a:lvl5pPr>
+              <a:defRPr>
+                <a:solidFill>
+                  <a:srgbClr val="FFFFFF"/>
+                </a:solidFill>
+              </a:defRPr>
+            </a:lvl5pPr>
+          </a:lstStyle>
+          <a:p>
+            <a:pPr lvl="0"/>
+            <a:r>
+              <a:rPr lang="en-US" dirty="0" smtClean="0"/>
+              <a:t>RESULT</a:t>
+            </a:r>
+          </a:p>
+        </p:txBody>
+      </p:sp>
+      <p:sp>
+        <p:nvSpPr>
+          <p:cNvPr id="5" name="Text Placeholder 4"/>
+          <p:cNvSpPr>
+            <a:spLocks noGrp="1"/>
+          </p:cNvSpPr>
+          <p:nvPr>
+            <p:ph type="body" sz="quarter" idx="11" hasCustomPrompt="1"/>
+          </p:nvPr>
+        </p:nvSpPr>
+        <p:spPr>
+          <a:xfrm>
+            <a:off x="1121104" y="1337149"/>
+            <a:ext cx="14422528" cy="729785"/>
+          </a:xfrm>
+          <a:prstGeom prst="rect">
+            <a:avLst/>
+          </a:prstGeom>
+          <a:solidFill>
+            <a:schemeClr val="accent4">
+              <a:lumMod val="50000"/>
+            </a:schemeClr>
+          </a:solidFill>
+        </p:spPr>
+        <p:txBody>
+          <a:bodyPr lIns="91440" anchor="ctr" anchorCtr="0">
+            <a:noAutofit/>
+          </a:bodyPr>
+          <a:lstStyle>
+            <a:lvl1pPr marL="0" indent="0">
+              <a:lnSpc>
+                <a:spcPct val="100000"/>
+              </a:lnSpc>
+              <a:buNone/>
+              <a:defRPr sz="2800" b="1">
+                <a:solidFill>
+                  <a:schemeClr val="bg1"/>
+                </a:solidFill>
+                <a:latin typeface="Courier New"/>
+                <a:cs typeface="Courier New"/>
+              </a:defRPr>
+            </a:lvl1pPr>
+          </a:lstStyle>
+          <a:p>
+            <a:pPr lvl="0"/>
+            <a:r>
+              <a:rPr lang="en-US" dirty="0" smtClean="0"/>
+              <a:t>&gt; command</a:t>
+            </a:r>
+          </a:p>
+        </p:txBody>
+      </p:sp>
+      <p:sp>
+        <p:nvSpPr>
+          <p:cNvPr id="12" name="Content Placeholder 5"/>
+          <p:cNvSpPr>
+            <a:spLocks noGrp="1"/>
+          </p:cNvSpPr>
+          <p:nvPr>
+            <p:ph sz="quarter" idx="12" hasCustomPrompt="1"/>
+          </p:nvPr>
+        </p:nvSpPr>
+        <p:spPr>
+          <a:xfrm>
+            <a:off x="1127883" y="3228515"/>
+            <a:ext cx="14420850" cy="557213"/>
+          </a:xfrm>
+          <a:prstGeom prst="rect">
+            <a:avLst/>
+          </a:prstGeom>
+          <a:solidFill>
+            <a:schemeClr val="accent1">
+              <a:alpha val="60000"/>
+            </a:schemeClr>
+          </a:solidFill>
+          <a:ln>
+            <a:solidFill>
+              <a:schemeClr val="accent1">
+                <a:lumMod val="75000"/>
+              </a:schemeClr>
+            </a:solidFill>
+          </a:ln>
+        </p:spPr>
+        <p:txBody>
+          <a:bodyPr anchor="ctr">
+            <a:noAutofit/>
+          </a:bodyPr>
+          <a:lstStyle>
+            <a:lvl1pPr algn="l">
+              <a:defRPr sz="4200" baseline="0">
+                <a:solidFill>
+                  <a:schemeClr val="bg2"/>
+                </a:solidFill>
+                <a:latin typeface="Courier New"/>
+                <a:cs typeface="Courier New"/>
+              </a:defRPr>
+            </a:lvl1pPr>
+          </a:lstStyle>
+          <a:p>
+            <a:pPr lvl="0"/>
+            <a:r>
+              <a:rPr lang="en-US" dirty="0" smtClean="0"/>
+              <a:t> </a:t>
+            </a:r>
+          </a:p>
+        </p:txBody>
+      </p:sp>
+    </p:spTree>
+    <p:extLst>
+      <p:ext uri="{BB962C8B-B14F-4D97-AF65-F5344CB8AC3E}">
+        <p14:creationId xmlns:p14="http://schemas.microsoft.com/office/powerpoint/2010/main" val="39490326"/>
+      </p:ext>
+    </p:extLst>
+  </p:cSld>
+  <p:clrMapOvr>
+    <a:overrideClrMapping bg1="lt1" tx1="dk1" bg2="lt2" tx2="dk2" accent1="accent1" accent2="accent2" accent3="accent3" accent4="accent4" accent5="accent5" accent6="accent6" hlink="hlink" folHlink="folHlink"/>
   </p:clrMapOvr>
   <p:transition spd="med">
     <p:fade/>
@@ -4897,14 +5665,14 @@
           </a:ln>
           <a:extLst>
             <a:ext uri="{909E8E84-426E-40dd-AFC4-6F175D3DCCD1}">
-              <a14:hiddenFill xmlns:a14="http://schemas.microsoft.com/office/drawing/2010/main" xmlns="">
+              <a14:hiddenFill xmlns="" xmlns:a14="http://schemas.microsoft.com/office/drawing/2010/main">
                 <a:solidFill>
                   <a:srgbClr val="FFFFFF"/>
                 </a:solidFill>
               </a14:hiddenFill>
             </a:ext>
             <a:ext uri="{91240B29-F687-4f45-9708-019B960494DF}">
-              <a14:hiddenLine xmlns:a14="http://schemas.microsoft.com/office/drawing/2010/main" xmlns="" w="9525">
+              <a14:hiddenLine xmlns="" xmlns:a14="http://schemas.microsoft.com/office/drawing/2010/main" w="9525">
                 <a:solidFill>
                   <a:srgbClr val="000000"/>
                 </a:solidFill>
@@ -5462,14 +6230,14 @@
           </a:ln>
           <a:extLst>
             <a:ext uri="{909E8E84-426E-40dd-AFC4-6F175D3DCCD1}">
-              <a14:hiddenFill xmlns:a14="http://schemas.microsoft.com/office/drawing/2010/main" xmlns="">
+              <a14:hiddenFill xmlns="" xmlns:a14="http://schemas.microsoft.com/office/drawing/2010/main">
                 <a:solidFill>
                   <a:srgbClr val="FFFFFF"/>
                 </a:solidFill>
               </a14:hiddenFill>
             </a:ext>
             <a:ext uri="{91240B29-F687-4f45-9708-019B960494DF}">
-              <a14:hiddenLine xmlns:a14="http://schemas.microsoft.com/office/drawing/2010/main" xmlns="" w="9525">
+              <a14:hiddenLine xmlns="" xmlns:a14="http://schemas.microsoft.com/office/drawing/2010/main" w="9525">
                 <a:solidFill>
                   <a:srgbClr val="000000"/>
                 </a:solidFill>
@@ -6036,14 +6804,14 @@
           </a:ln>
           <a:extLst>
             <a:ext uri="{909E8E84-426E-40dd-AFC4-6F175D3DCCD1}">
-              <a14:hiddenFill xmlns:a14="http://schemas.microsoft.com/office/drawing/2010/main" xmlns="">
+              <a14:hiddenFill xmlns="" xmlns:a14="http://schemas.microsoft.com/office/drawing/2010/main">
                 <a:solidFill>
                   <a:srgbClr val="FFFFFF"/>
                 </a:solidFill>
               </a14:hiddenFill>
             </a:ext>
             <a:ext uri="{91240B29-F687-4f45-9708-019B960494DF}">
-              <a14:hiddenLine xmlns:a14="http://schemas.microsoft.com/office/drawing/2010/main" xmlns="" w="9525">
+              <a14:hiddenLine xmlns="" xmlns:a14="http://schemas.microsoft.com/office/drawing/2010/main" w="9525">
                 <a:solidFill>
                   <a:srgbClr val="000000"/>
                 </a:solidFill>
@@ -6983,14 +7751,14 @@
           </a:ln>
           <a:extLst>
             <a:ext uri="{909E8E84-426E-40dd-AFC4-6F175D3DCCD1}">
-              <a14:hiddenFill xmlns:a14="http://schemas.microsoft.com/office/drawing/2010/main" xmlns="">
+              <a14:hiddenFill xmlns="" xmlns:a14="http://schemas.microsoft.com/office/drawing/2010/main">
                 <a:solidFill>
                   <a:srgbClr val="FFFFFF"/>
                 </a:solidFill>
               </a14:hiddenFill>
             </a:ext>
             <a:ext uri="{91240B29-F687-4f45-9708-019B960494DF}">
-              <a14:hiddenLine xmlns:a14="http://schemas.microsoft.com/office/drawing/2010/main" xmlns="" w="9525">
+              <a14:hiddenLine xmlns="" xmlns:a14="http://schemas.microsoft.com/office/drawing/2010/main" w="9525">
                 <a:solidFill>
                   <a:srgbClr val="000000"/>
                 </a:solidFill>
@@ -7704,7 +8472,7 @@
           <p:nvPr/>
         </p:nvPicPr>
         <p:blipFill>
-          <a:blip r:embed="rId10">
+          <a:blip r:embed="rId12">
             <a:extLst>
               <a:ext uri="{28A0092B-C50C-407E-A947-70E740481C1C}">
                 <a14:useLocalDpi xmlns:a14="http://schemas.microsoft.com/office/drawing/2010/main" val="0"/>
@@ -7730,14 +8498,14 @@
           </a:ln>
           <a:extLst>
             <a:ext uri="{909E8E84-426E-40dd-AFC4-6F175D3DCCD1}">
-              <a14:hiddenFill xmlns:a14="http://schemas.microsoft.com/office/drawing/2010/main" xmlns="">
+              <a14:hiddenFill xmlns="" xmlns:a14="http://schemas.microsoft.com/office/drawing/2010/main">
                 <a:solidFill>
                   <a:srgbClr val="FFFFFF"/>
                 </a:solidFill>
               </a14:hiddenFill>
             </a:ext>
             <a:ext uri="{91240B29-F687-4f45-9708-019B960494DF}">
-              <a14:hiddenLine xmlns:a14="http://schemas.microsoft.com/office/drawing/2010/main" xmlns="" w="9525">
+              <a14:hiddenLine xmlns="" xmlns:a14="http://schemas.microsoft.com/office/drawing/2010/main" w="9525">
                 <a:solidFill>
                   <a:srgbClr val="000000"/>
                 </a:solidFill>
@@ -8013,6 +8781,8 @@
     <p:sldLayoutId id="2147483855" r:id="rId6"/>
     <p:sldLayoutId id="2147483856" r:id="rId7"/>
     <p:sldLayoutId id="2147483866" r:id="rId8"/>
+    <p:sldLayoutId id="2147483867" r:id="rId9"/>
+    <p:sldLayoutId id="2147483868" r:id="rId10"/>
   </p:sldLayoutIdLst>
   <p:transition spd="med">
     <p:fade/>
@@ -8516,6 +9286,1261 @@
 </p:sld>
 </file>
 
+<file path=ppt/slides/slide10.xml><?xml version="1.0" encoding="utf-8"?>
+<p:sld xmlns:a="http://schemas.openxmlformats.org/drawingml/2006/main" xmlns:r="http://schemas.openxmlformats.org/officeDocument/2006/relationships" xmlns:p="http://schemas.openxmlformats.org/presentationml/2006/main">
+  <p:cSld>
+    <p:spTree>
+      <p:nvGrpSpPr>
+        <p:cNvPr id="1" name=""/>
+        <p:cNvGrpSpPr/>
+        <p:nvPr/>
+      </p:nvGrpSpPr>
+      <p:grpSpPr>
+        <a:xfrm>
+          <a:off x="0" y="0"/>
+          <a:ext cx="0" cy="0"/>
+          <a:chOff x="0" y="0"/>
+          <a:chExt cx="0" cy="0"/>
+        </a:xfrm>
+      </p:grpSpPr>
+      <p:sp>
+        <p:nvSpPr>
+          <p:cNvPr id="2" name="Title 1"/>
+          <p:cNvSpPr>
+            <a:spLocks noGrp="1"/>
+          </p:cNvSpPr>
+          <p:nvPr>
+            <p:ph type="title"/>
+          </p:nvPr>
+        </p:nvSpPr>
+        <p:spPr/>
+        <p:txBody>
+          <a:bodyPr/>
+          <a:lstStyle/>
+          <a:p>
+            <a:endParaRPr lang="en-US"/>
+          </a:p>
+        </p:txBody>
+      </p:sp>
+      <p:sp>
+        <p:nvSpPr>
+          <p:cNvPr id="3" name="Content Placeholder 2"/>
+          <p:cNvSpPr>
+            <a:spLocks noGrp="1"/>
+          </p:cNvSpPr>
+          <p:nvPr>
+            <p:ph sz="quarter" idx="10"/>
+          </p:nvPr>
+        </p:nvSpPr>
+        <p:spPr/>
+        <p:txBody>
+          <a:bodyPr/>
+          <a:lstStyle/>
+          <a:p>
+            <a:endParaRPr lang="en-US"/>
+          </a:p>
+        </p:txBody>
+      </p:sp>
+      <p:sp>
+        <p:nvSpPr>
+          <p:cNvPr id="4" name="Text Placeholder 3"/>
+          <p:cNvSpPr>
+            <a:spLocks noGrp="1"/>
+          </p:cNvSpPr>
+          <p:nvPr>
+            <p:ph type="body" sz="quarter" idx="11"/>
+          </p:nvPr>
+        </p:nvSpPr>
+        <p:spPr/>
+        <p:txBody>
+          <a:bodyPr/>
+          <a:lstStyle/>
+          <a:p>
+            <a:r>
+              <a:rPr lang="en-US" dirty="0" smtClean="0"/>
+              <a:t>&gt; cd apache</a:t>
+            </a:r>
+            <a:endParaRPr lang="en-US" dirty="0"/>
+          </a:p>
+        </p:txBody>
+      </p:sp>
+      <p:sp>
+        <p:nvSpPr>
+          <p:cNvPr id="5" name="Content Placeholder 4"/>
+          <p:cNvSpPr>
+            <a:spLocks noGrp="1"/>
+          </p:cNvSpPr>
+          <p:nvPr>
+            <p:ph sz="quarter" idx="12"/>
+          </p:nvPr>
+        </p:nvSpPr>
+        <p:spPr/>
+        <p:txBody>
+          <a:bodyPr/>
+          <a:lstStyle/>
+          <a:p>
+            <a:endParaRPr lang="en-US"/>
+          </a:p>
+        </p:txBody>
+      </p:sp>
+    </p:spTree>
+    <p:extLst>
+      <p:ext uri="{BB962C8B-B14F-4D97-AF65-F5344CB8AC3E}">
+        <p14:creationId xmlns:p14="http://schemas.microsoft.com/office/powerpoint/2010/main" val="1550457887"/>
+      </p:ext>
+    </p:extLst>
+  </p:cSld>
+  <p:clrMapOvr>
+    <a:masterClrMapping/>
+  </p:clrMapOvr>
+  <p:transition spd="med">
+    <p:fade/>
+  </p:transition>
+</p:sld>
+</file>
+
+<file path=ppt/slides/slide11.xml><?xml version="1.0" encoding="utf-8"?>
+<p:sld xmlns:a="http://schemas.openxmlformats.org/drawingml/2006/main" xmlns:r="http://schemas.openxmlformats.org/officeDocument/2006/relationships" xmlns:p="http://schemas.openxmlformats.org/presentationml/2006/main">
+  <p:cSld>
+    <p:spTree>
+      <p:nvGrpSpPr>
+        <p:cNvPr id="1" name=""/>
+        <p:cNvGrpSpPr/>
+        <p:nvPr/>
+      </p:nvGrpSpPr>
+      <p:grpSpPr>
+        <a:xfrm>
+          <a:off x="0" y="0"/>
+          <a:ext cx="0" cy="0"/>
+          <a:chOff x="0" y="0"/>
+          <a:chExt cx="0" cy="0"/>
+        </a:xfrm>
+      </p:grpSpPr>
+      <p:sp>
+        <p:nvSpPr>
+          <p:cNvPr id="2" name="Title 1"/>
+          <p:cNvSpPr>
+            <a:spLocks noGrp="1"/>
+          </p:cNvSpPr>
+          <p:nvPr>
+            <p:ph type="title"/>
+          </p:nvPr>
+        </p:nvSpPr>
+        <p:spPr/>
+        <p:txBody>
+          <a:bodyPr>
+            <a:normAutofit fontScale="90000"/>
+          </a:bodyPr>
+          <a:lstStyle/>
+          <a:p>
+            <a:r>
+              <a:rPr lang="en-US" dirty="0" smtClean="0"/>
+              <a:t>Replace the Existing Kitchen Configuration</a:t>
+            </a:r>
+            <a:endParaRPr lang="en-US" dirty="0"/>
+          </a:p>
+        </p:txBody>
+      </p:sp>
+      <p:sp>
+        <p:nvSpPr>
+          <p:cNvPr id="3" name="Content Placeholder 2"/>
+          <p:cNvSpPr>
+            <a:spLocks noGrp="1"/>
+          </p:cNvSpPr>
+          <p:nvPr>
+            <p:ph sz="quarter" idx="10"/>
+          </p:nvPr>
+        </p:nvSpPr>
+        <p:spPr/>
+        <p:txBody>
+          <a:bodyPr/>
+          <a:lstStyle/>
+          <a:p>
+            <a:endParaRPr lang="en-US" dirty="0"/>
+          </a:p>
+        </p:txBody>
+      </p:sp>
+      <p:sp>
+        <p:nvSpPr>
+          <p:cNvPr id="4" name="Text Placeholder 3"/>
+          <p:cNvSpPr>
+            <a:spLocks noGrp="1"/>
+          </p:cNvSpPr>
+          <p:nvPr>
+            <p:ph type="body" sz="quarter" idx="11"/>
+          </p:nvPr>
+        </p:nvSpPr>
+        <p:spPr/>
+        <p:txBody>
+          <a:bodyPr/>
+          <a:lstStyle/>
+          <a:p>
+            <a:r>
+              <a:rPr lang="en-US" dirty="0" smtClean="0"/>
+              <a:t>&gt; </a:t>
+            </a:r>
+            <a:r>
+              <a:rPr lang="en-US" dirty="0" err="1" smtClean="0"/>
+              <a:t>cp</a:t>
+            </a:r>
+            <a:r>
+              <a:rPr lang="en-US" dirty="0" smtClean="0"/>
+              <a:t> ~/chef-repo/.</a:t>
+            </a:r>
+            <a:r>
+              <a:rPr lang="en-US" dirty="0" err="1" smtClean="0"/>
+              <a:t>kitchen.linux.yml</a:t>
+            </a:r>
+            <a:r>
+              <a:rPr lang="en-US" dirty="0" smtClean="0"/>
+              <a:t> .</a:t>
+            </a:r>
+            <a:r>
+              <a:rPr lang="en-US" dirty="0" err="1" smtClean="0"/>
+              <a:t>kitchen.yml</a:t>
+            </a:r>
+            <a:endParaRPr lang="en-US" dirty="0"/>
+          </a:p>
+        </p:txBody>
+      </p:sp>
+      <p:sp>
+        <p:nvSpPr>
+          <p:cNvPr id="5" name="Content Placeholder 4"/>
+          <p:cNvSpPr>
+            <a:spLocks noGrp="1"/>
+          </p:cNvSpPr>
+          <p:nvPr>
+            <p:ph sz="quarter" idx="12"/>
+          </p:nvPr>
+        </p:nvSpPr>
+        <p:spPr/>
+        <p:txBody>
+          <a:bodyPr/>
+          <a:lstStyle/>
+          <a:p>
+            <a:endParaRPr lang="en-US"/>
+          </a:p>
+        </p:txBody>
+      </p:sp>
+    </p:spTree>
+    <p:extLst>
+      <p:ext uri="{BB962C8B-B14F-4D97-AF65-F5344CB8AC3E}">
+        <p14:creationId xmlns:p14="http://schemas.microsoft.com/office/powerpoint/2010/main" val="1927908864"/>
+      </p:ext>
+    </p:extLst>
+  </p:cSld>
+  <p:clrMapOvr>
+    <a:masterClrMapping/>
+  </p:clrMapOvr>
+  <p:transition spd="med">
+    <p:fade/>
+  </p:transition>
+</p:sld>
+</file>
+
+<file path=ppt/slides/slide12.xml><?xml version="1.0" encoding="utf-8"?>
+<p:sld xmlns:a="http://schemas.openxmlformats.org/drawingml/2006/main" xmlns:r="http://schemas.openxmlformats.org/officeDocument/2006/relationships" xmlns:p="http://schemas.openxmlformats.org/presentationml/2006/main">
+  <p:cSld>
+    <p:spTree>
+      <p:nvGrpSpPr>
+        <p:cNvPr id="1" name=""/>
+        <p:cNvGrpSpPr/>
+        <p:nvPr/>
+      </p:nvGrpSpPr>
+      <p:grpSpPr>
+        <a:xfrm>
+          <a:off x="0" y="0"/>
+          <a:ext cx="0" cy="0"/>
+          <a:chOff x="0" y="0"/>
+          <a:chExt cx="0" cy="0"/>
+        </a:xfrm>
+      </p:grpSpPr>
+      <p:sp>
+        <p:nvSpPr>
+          <p:cNvPr id="2" name="Title 1"/>
+          <p:cNvSpPr>
+            <a:spLocks noGrp="1"/>
+          </p:cNvSpPr>
+          <p:nvPr>
+            <p:ph type="title"/>
+          </p:nvPr>
+        </p:nvSpPr>
+        <p:spPr/>
+        <p:txBody>
+          <a:bodyPr/>
+          <a:lstStyle/>
+          <a:p>
+            <a:endParaRPr lang="en-US"/>
+          </a:p>
+        </p:txBody>
+      </p:sp>
+      <p:sp>
+        <p:nvSpPr>
+          <p:cNvPr id="3" name="Content Placeholder 2"/>
+          <p:cNvSpPr>
+            <a:spLocks noGrp="1"/>
+          </p:cNvSpPr>
+          <p:nvPr>
+            <p:ph sz="quarter" idx="10"/>
+          </p:nvPr>
+        </p:nvSpPr>
+        <p:spPr/>
+        <p:txBody>
+          <a:bodyPr/>
+          <a:lstStyle/>
+          <a:p>
+            <a:endParaRPr lang="en-US"/>
+          </a:p>
+        </p:txBody>
+      </p:sp>
+      <p:sp>
+        <p:nvSpPr>
+          <p:cNvPr id="4" name="Text Placeholder 3"/>
+          <p:cNvSpPr>
+            <a:spLocks noGrp="1"/>
+          </p:cNvSpPr>
+          <p:nvPr>
+            <p:ph type="body" sz="quarter" idx="11"/>
+          </p:nvPr>
+        </p:nvSpPr>
+        <p:spPr/>
+        <p:txBody>
+          <a:bodyPr/>
+          <a:lstStyle/>
+          <a:p>
+            <a:r>
+              <a:rPr lang="en-US" dirty="0" smtClean="0"/>
+              <a:t>&gt; cat .</a:t>
+            </a:r>
+            <a:r>
+              <a:rPr lang="en-US" dirty="0" err="1" smtClean="0"/>
+              <a:t>kitchen.yml</a:t>
+            </a:r>
+            <a:endParaRPr lang="en-US" dirty="0"/>
+          </a:p>
+        </p:txBody>
+      </p:sp>
+      <p:sp>
+        <p:nvSpPr>
+          <p:cNvPr id="5" name="Content Placeholder 4"/>
+          <p:cNvSpPr>
+            <a:spLocks noGrp="1"/>
+          </p:cNvSpPr>
+          <p:nvPr>
+            <p:ph sz="quarter" idx="12"/>
+          </p:nvPr>
+        </p:nvSpPr>
+        <p:spPr/>
+        <p:txBody>
+          <a:bodyPr/>
+          <a:lstStyle/>
+          <a:p>
+            <a:endParaRPr lang="en-US"/>
+          </a:p>
+        </p:txBody>
+      </p:sp>
+    </p:spTree>
+    <p:extLst>
+      <p:ext uri="{BB962C8B-B14F-4D97-AF65-F5344CB8AC3E}">
+        <p14:creationId xmlns:p14="http://schemas.microsoft.com/office/powerpoint/2010/main" val="582085037"/>
+      </p:ext>
+    </p:extLst>
+  </p:cSld>
+  <p:clrMapOvr>
+    <a:masterClrMapping/>
+  </p:clrMapOvr>
+  <p:transition spd="med">
+    <p:fade/>
+  </p:transition>
+</p:sld>
+</file>
+
+<file path=ppt/slides/slide13.xml><?xml version="1.0" encoding="utf-8"?>
+<p:sld xmlns:a="http://schemas.openxmlformats.org/drawingml/2006/main" xmlns:r="http://schemas.openxmlformats.org/officeDocument/2006/relationships" xmlns:p="http://schemas.openxmlformats.org/presentationml/2006/main">
+  <p:cSld>
+    <p:spTree>
+      <p:nvGrpSpPr>
+        <p:cNvPr id="1" name=""/>
+        <p:cNvGrpSpPr/>
+        <p:nvPr/>
+      </p:nvGrpSpPr>
+      <p:grpSpPr>
+        <a:xfrm>
+          <a:off x="0" y="0"/>
+          <a:ext cx="0" cy="0"/>
+          <a:chOff x="0" y="0"/>
+          <a:chExt cx="0" cy="0"/>
+        </a:xfrm>
+      </p:grpSpPr>
+      <p:sp>
+        <p:nvSpPr>
+          <p:cNvPr id="2" name="Title 1"/>
+          <p:cNvSpPr>
+            <a:spLocks noGrp="1"/>
+          </p:cNvSpPr>
+          <p:nvPr>
+            <p:ph type="title"/>
+          </p:nvPr>
+        </p:nvSpPr>
+        <p:spPr/>
+        <p:txBody>
+          <a:bodyPr/>
+          <a:lstStyle/>
+          <a:p>
+            <a:endParaRPr lang="en-US"/>
+          </a:p>
+        </p:txBody>
+      </p:sp>
+      <p:sp>
+        <p:nvSpPr>
+          <p:cNvPr id="3" name="Content Placeholder 2"/>
+          <p:cNvSpPr>
+            <a:spLocks noGrp="1"/>
+          </p:cNvSpPr>
+          <p:nvPr>
+            <p:ph sz="quarter" idx="10"/>
+          </p:nvPr>
+        </p:nvSpPr>
+        <p:spPr/>
+        <p:txBody>
+          <a:bodyPr/>
+          <a:lstStyle/>
+          <a:p>
+            <a:endParaRPr lang="en-US"/>
+          </a:p>
+        </p:txBody>
+      </p:sp>
+      <p:sp>
+        <p:nvSpPr>
+          <p:cNvPr id="4" name="Text Placeholder 3"/>
+          <p:cNvSpPr>
+            <a:spLocks noGrp="1"/>
+          </p:cNvSpPr>
+          <p:nvPr>
+            <p:ph type="body" sz="quarter" idx="11"/>
+          </p:nvPr>
+        </p:nvSpPr>
+        <p:spPr/>
+        <p:txBody>
+          <a:bodyPr/>
+          <a:lstStyle/>
+          <a:p>
+            <a:r>
+              <a:rPr lang="en-US" dirty="0" smtClean="0"/>
+              <a:t>&gt; kitchen list</a:t>
+            </a:r>
+            <a:endParaRPr lang="en-US" dirty="0"/>
+          </a:p>
+        </p:txBody>
+      </p:sp>
+      <p:sp>
+        <p:nvSpPr>
+          <p:cNvPr id="5" name="Content Placeholder 4"/>
+          <p:cNvSpPr>
+            <a:spLocks noGrp="1"/>
+          </p:cNvSpPr>
+          <p:nvPr>
+            <p:ph sz="quarter" idx="12"/>
+          </p:nvPr>
+        </p:nvSpPr>
+        <p:spPr/>
+        <p:txBody>
+          <a:bodyPr/>
+          <a:lstStyle/>
+          <a:p>
+            <a:endParaRPr lang="en-US"/>
+          </a:p>
+        </p:txBody>
+      </p:sp>
+    </p:spTree>
+    <p:extLst>
+      <p:ext uri="{BB962C8B-B14F-4D97-AF65-F5344CB8AC3E}">
+        <p14:creationId xmlns:p14="http://schemas.microsoft.com/office/powerpoint/2010/main" val="1712472797"/>
+      </p:ext>
+    </p:extLst>
+  </p:cSld>
+  <p:clrMapOvr>
+    <a:masterClrMapping/>
+  </p:clrMapOvr>
+  <p:transition spd="med">
+    <p:fade/>
+  </p:transition>
+</p:sld>
+</file>
+
+<file path=ppt/slides/slide14.xml><?xml version="1.0" encoding="utf-8"?>
+<p:sld xmlns:a="http://schemas.openxmlformats.org/drawingml/2006/main" xmlns:r="http://schemas.openxmlformats.org/officeDocument/2006/relationships" xmlns:p="http://schemas.openxmlformats.org/presentationml/2006/main">
+  <p:cSld>
+    <p:spTree>
+      <p:nvGrpSpPr>
+        <p:cNvPr id="1" name=""/>
+        <p:cNvGrpSpPr/>
+        <p:nvPr/>
+      </p:nvGrpSpPr>
+      <p:grpSpPr>
+        <a:xfrm>
+          <a:off x="0" y="0"/>
+          <a:ext cx="0" cy="0"/>
+          <a:chOff x="0" y="0"/>
+          <a:chExt cx="0" cy="0"/>
+        </a:xfrm>
+      </p:grpSpPr>
+      <p:sp>
+        <p:nvSpPr>
+          <p:cNvPr id="2" name="Title 1"/>
+          <p:cNvSpPr>
+            <a:spLocks noGrp="1"/>
+          </p:cNvSpPr>
+          <p:nvPr>
+            <p:ph type="title"/>
+          </p:nvPr>
+        </p:nvSpPr>
+        <p:spPr/>
+        <p:txBody>
+          <a:bodyPr/>
+          <a:lstStyle/>
+          <a:p>
+            <a:endParaRPr lang="en-US"/>
+          </a:p>
+        </p:txBody>
+      </p:sp>
+      <p:sp>
+        <p:nvSpPr>
+          <p:cNvPr id="3" name="Content Placeholder 2"/>
+          <p:cNvSpPr>
+            <a:spLocks noGrp="1"/>
+          </p:cNvSpPr>
+          <p:nvPr>
+            <p:ph sz="quarter" idx="10"/>
+          </p:nvPr>
+        </p:nvSpPr>
+        <p:spPr/>
+        <p:txBody>
+          <a:bodyPr/>
+          <a:lstStyle/>
+          <a:p>
+            <a:endParaRPr lang="en-US"/>
+          </a:p>
+        </p:txBody>
+      </p:sp>
+      <p:sp>
+        <p:nvSpPr>
+          <p:cNvPr id="4" name="Text Placeholder 3"/>
+          <p:cNvSpPr>
+            <a:spLocks noGrp="1"/>
+          </p:cNvSpPr>
+          <p:nvPr>
+            <p:ph type="body" sz="quarter" idx="11"/>
+          </p:nvPr>
+        </p:nvSpPr>
+        <p:spPr/>
+        <p:txBody>
+          <a:bodyPr/>
+          <a:lstStyle/>
+          <a:p>
+            <a:r>
+              <a:rPr lang="en-US" dirty="0" smtClean="0"/>
+              <a:t>&gt; kitchen create</a:t>
+            </a:r>
+            <a:endParaRPr lang="en-US" dirty="0"/>
+          </a:p>
+        </p:txBody>
+      </p:sp>
+      <p:sp>
+        <p:nvSpPr>
+          <p:cNvPr id="5" name="Content Placeholder 4"/>
+          <p:cNvSpPr>
+            <a:spLocks noGrp="1"/>
+          </p:cNvSpPr>
+          <p:nvPr>
+            <p:ph sz="quarter" idx="12"/>
+          </p:nvPr>
+        </p:nvSpPr>
+        <p:spPr/>
+        <p:txBody>
+          <a:bodyPr/>
+          <a:lstStyle/>
+          <a:p>
+            <a:endParaRPr lang="en-US"/>
+          </a:p>
+        </p:txBody>
+      </p:sp>
+    </p:spTree>
+    <p:extLst>
+      <p:ext uri="{BB962C8B-B14F-4D97-AF65-F5344CB8AC3E}">
+        <p14:creationId xmlns:p14="http://schemas.microsoft.com/office/powerpoint/2010/main" val="2052097505"/>
+      </p:ext>
+    </p:extLst>
+  </p:cSld>
+  <p:clrMapOvr>
+    <a:masterClrMapping/>
+  </p:clrMapOvr>
+  <p:transition spd="med">
+    <p:fade/>
+  </p:transition>
+</p:sld>
+</file>
+
+<file path=ppt/slides/slide15.xml><?xml version="1.0" encoding="utf-8"?>
+<p:sld xmlns:a="http://schemas.openxmlformats.org/drawingml/2006/main" xmlns:r="http://schemas.openxmlformats.org/officeDocument/2006/relationships" xmlns:p="http://schemas.openxmlformats.org/presentationml/2006/main">
+  <p:cSld>
+    <p:spTree>
+      <p:nvGrpSpPr>
+        <p:cNvPr id="1" name=""/>
+        <p:cNvGrpSpPr/>
+        <p:nvPr/>
+      </p:nvGrpSpPr>
+      <p:grpSpPr>
+        <a:xfrm>
+          <a:off x="0" y="0"/>
+          <a:ext cx="0" cy="0"/>
+          <a:chOff x="0" y="0"/>
+          <a:chExt cx="0" cy="0"/>
+        </a:xfrm>
+      </p:grpSpPr>
+      <p:sp>
+        <p:nvSpPr>
+          <p:cNvPr id="2" name="Title 1"/>
+          <p:cNvSpPr>
+            <a:spLocks noGrp="1"/>
+          </p:cNvSpPr>
+          <p:nvPr>
+            <p:ph type="title"/>
+          </p:nvPr>
+        </p:nvSpPr>
+        <p:spPr/>
+        <p:txBody>
+          <a:bodyPr/>
+          <a:lstStyle/>
+          <a:p>
+            <a:endParaRPr lang="en-US"/>
+          </a:p>
+        </p:txBody>
+      </p:sp>
+      <p:sp>
+        <p:nvSpPr>
+          <p:cNvPr id="3" name="Content Placeholder 2"/>
+          <p:cNvSpPr>
+            <a:spLocks noGrp="1"/>
+          </p:cNvSpPr>
+          <p:nvPr>
+            <p:ph sz="quarter" idx="10"/>
+          </p:nvPr>
+        </p:nvSpPr>
+        <p:spPr/>
+        <p:txBody>
+          <a:bodyPr/>
+          <a:lstStyle/>
+          <a:p>
+            <a:endParaRPr lang="en-US" dirty="0"/>
+          </a:p>
+        </p:txBody>
+      </p:sp>
+      <p:sp>
+        <p:nvSpPr>
+          <p:cNvPr id="4" name="Text Placeholder 3"/>
+          <p:cNvSpPr>
+            <a:spLocks noGrp="1"/>
+          </p:cNvSpPr>
+          <p:nvPr>
+            <p:ph type="body" sz="quarter" idx="11"/>
+          </p:nvPr>
+        </p:nvSpPr>
+        <p:spPr/>
+        <p:txBody>
+          <a:bodyPr/>
+          <a:lstStyle/>
+          <a:p>
+            <a:r>
+              <a:rPr lang="en-US" dirty="0" smtClean="0"/>
+              <a:t>&gt; kitchen list</a:t>
+            </a:r>
+            <a:endParaRPr lang="en-US" dirty="0"/>
+          </a:p>
+        </p:txBody>
+      </p:sp>
+      <p:sp>
+        <p:nvSpPr>
+          <p:cNvPr id="5" name="Content Placeholder 4"/>
+          <p:cNvSpPr>
+            <a:spLocks noGrp="1"/>
+          </p:cNvSpPr>
+          <p:nvPr>
+            <p:ph sz="quarter" idx="12"/>
+          </p:nvPr>
+        </p:nvSpPr>
+        <p:spPr/>
+        <p:txBody>
+          <a:bodyPr/>
+          <a:lstStyle/>
+          <a:p>
+            <a:endParaRPr lang="en-US"/>
+          </a:p>
+        </p:txBody>
+      </p:sp>
+    </p:spTree>
+    <p:extLst>
+      <p:ext uri="{BB962C8B-B14F-4D97-AF65-F5344CB8AC3E}">
+        <p14:creationId xmlns:p14="http://schemas.microsoft.com/office/powerpoint/2010/main" val="306045847"/>
+      </p:ext>
+    </p:extLst>
+  </p:cSld>
+  <p:clrMapOvr>
+    <a:masterClrMapping/>
+  </p:clrMapOvr>
+  <p:transition spd="med">
+    <p:fade/>
+  </p:transition>
+</p:sld>
+</file>
+
+<file path=ppt/slides/slide16.xml><?xml version="1.0" encoding="utf-8"?>
+<p:sld xmlns:a="http://schemas.openxmlformats.org/drawingml/2006/main" xmlns:r="http://schemas.openxmlformats.org/officeDocument/2006/relationships" xmlns:p="http://schemas.openxmlformats.org/presentationml/2006/main">
+  <p:cSld>
+    <p:spTree>
+      <p:nvGrpSpPr>
+        <p:cNvPr id="1" name=""/>
+        <p:cNvGrpSpPr/>
+        <p:nvPr/>
+      </p:nvGrpSpPr>
+      <p:grpSpPr>
+        <a:xfrm>
+          <a:off x="0" y="0"/>
+          <a:ext cx="0" cy="0"/>
+          <a:chOff x="0" y="0"/>
+          <a:chExt cx="0" cy="0"/>
+        </a:xfrm>
+      </p:grpSpPr>
+      <p:sp>
+        <p:nvSpPr>
+          <p:cNvPr id="2" name="Title 1"/>
+          <p:cNvSpPr>
+            <a:spLocks noGrp="1"/>
+          </p:cNvSpPr>
+          <p:nvPr>
+            <p:ph type="ctrTitle"/>
+          </p:nvPr>
+        </p:nvSpPr>
+        <p:spPr/>
+        <p:txBody>
+          <a:bodyPr>
+            <a:normAutofit fontScale="90000"/>
+          </a:bodyPr>
+          <a:lstStyle/>
+          <a:p>
+            <a:r>
+              <a:rPr lang="en-US" dirty="0" smtClean="0"/>
+              <a:t>Managing Apache on Linux</a:t>
+            </a:r>
+            <a:endParaRPr lang="en-US" dirty="0"/>
+          </a:p>
+        </p:txBody>
+      </p:sp>
+      <p:sp>
+        <p:nvSpPr>
+          <p:cNvPr id="3" name="Content Placeholder 2"/>
+          <p:cNvSpPr>
+            <a:spLocks noGrp="1"/>
+          </p:cNvSpPr>
+          <p:nvPr>
+            <p:ph sz="quarter" idx="11"/>
+          </p:nvPr>
+        </p:nvSpPr>
+        <p:spPr/>
+        <p:txBody>
+          <a:bodyPr/>
+          <a:lstStyle/>
+          <a:p>
+            <a:endParaRPr lang="en-US" dirty="0"/>
+          </a:p>
+        </p:txBody>
+      </p:sp>
+      <p:sp>
+        <p:nvSpPr>
+          <p:cNvPr id="4" name="Text Placeholder 3"/>
+          <p:cNvSpPr>
+            <a:spLocks noGrp="1"/>
+          </p:cNvSpPr>
+          <p:nvPr>
+            <p:ph type="body" sz="quarter" idx="10"/>
+          </p:nvPr>
+        </p:nvSpPr>
+        <p:spPr/>
+        <p:txBody>
+          <a:bodyPr/>
+          <a:lstStyle/>
+          <a:p>
+            <a:pPr marL="342900" indent="-342900">
+              <a:buFont typeface="Wingdings" charset="2"/>
+              <a:buChar char="ü"/>
+            </a:pPr>
+            <a:r>
+              <a:rPr lang="en-US" dirty="0" smtClean="0"/>
+              <a:t>Generate an apache cookbook</a:t>
+            </a:r>
+          </a:p>
+          <a:p>
+            <a:pPr marL="342900" indent="-342900">
+              <a:buFont typeface="Wingdings" charset="2"/>
+              <a:buChar char="ü"/>
+            </a:pPr>
+            <a:r>
+              <a:rPr lang="en-US" dirty="0"/>
+              <a:t>C</a:t>
+            </a:r>
+            <a:r>
+              <a:rPr lang="en-US" dirty="0" smtClean="0"/>
+              <a:t>reate an instance to test the cookbook against</a:t>
+            </a:r>
+          </a:p>
+          <a:p>
+            <a:pPr marL="342900" indent="-342900">
+              <a:buFont typeface="Wingdings" charset="2"/>
+              <a:buChar char="q"/>
+            </a:pPr>
+            <a:r>
+              <a:rPr lang="en-US" dirty="0" smtClean="0"/>
+              <a:t>Write the recipe to install the apache package</a:t>
+            </a:r>
+          </a:p>
+          <a:p>
+            <a:pPr marL="342900" indent="-342900">
+              <a:buFont typeface="Wingdings" charset="2"/>
+              <a:buChar char="q"/>
+            </a:pPr>
+            <a:r>
+              <a:rPr lang="en-US" dirty="0" smtClean="0"/>
+              <a:t>Update the recipe to start and enable the apache service</a:t>
+            </a:r>
+          </a:p>
+          <a:p>
+            <a:endParaRPr lang="en-US" dirty="0"/>
+          </a:p>
+        </p:txBody>
+      </p:sp>
+    </p:spTree>
+    <p:extLst>
+      <p:ext uri="{BB962C8B-B14F-4D97-AF65-F5344CB8AC3E}">
+        <p14:creationId xmlns:p14="http://schemas.microsoft.com/office/powerpoint/2010/main" val="751756276"/>
+      </p:ext>
+    </p:extLst>
+  </p:cSld>
+  <p:clrMapOvr>
+    <a:masterClrMapping/>
+  </p:clrMapOvr>
+  <p:transition spd="med">
+    <p:fade/>
+  </p:transition>
+</p:sld>
+</file>
+
+<file path=ppt/slides/slide17.xml><?xml version="1.0" encoding="utf-8"?>
+<p:sld xmlns:a="http://schemas.openxmlformats.org/drawingml/2006/main" xmlns:r="http://schemas.openxmlformats.org/officeDocument/2006/relationships" xmlns:p="http://schemas.openxmlformats.org/presentationml/2006/main">
+  <p:cSld>
+    <p:spTree>
+      <p:nvGrpSpPr>
+        <p:cNvPr id="1" name=""/>
+        <p:cNvGrpSpPr/>
+        <p:nvPr/>
+      </p:nvGrpSpPr>
+      <p:grpSpPr>
+        <a:xfrm>
+          <a:off x="0" y="0"/>
+          <a:ext cx="0" cy="0"/>
+          <a:chOff x="0" y="0"/>
+          <a:chExt cx="0" cy="0"/>
+        </a:xfrm>
+      </p:grpSpPr>
+      <p:sp>
+        <p:nvSpPr>
+          <p:cNvPr id="2" name="Title 1"/>
+          <p:cNvSpPr>
+            <a:spLocks noGrp="1"/>
+          </p:cNvSpPr>
+          <p:nvPr>
+            <p:ph type="title"/>
+          </p:nvPr>
+        </p:nvSpPr>
+        <p:spPr/>
+        <p:txBody>
+          <a:bodyPr/>
+          <a:lstStyle/>
+          <a:p>
+            <a:endParaRPr lang="en-US"/>
+          </a:p>
+        </p:txBody>
+      </p:sp>
+      <p:sp>
+        <p:nvSpPr>
+          <p:cNvPr id="3" name="Content Placeholder 2"/>
+          <p:cNvSpPr>
+            <a:spLocks noGrp="1"/>
+          </p:cNvSpPr>
+          <p:nvPr>
+            <p:ph sz="quarter" idx="10"/>
+          </p:nvPr>
+        </p:nvSpPr>
+        <p:spPr/>
+        <p:txBody>
+          <a:bodyPr/>
+          <a:lstStyle/>
+          <a:p>
+            <a:endParaRPr lang="en-US"/>
+          </a:p>
+        </p:txBody>
+      </p:sp>
+      <p:sp>
+        <p:nvSpPr>
+          <p:cNvPr id="4" name="Text Placeholder 3"/>
+          <p:cNvSpPr>
+            <a:spLocks noGrp="1"/>
+          </p:cNvSpPr>
+          <p:nvPr>
+            <p:ph type="body" sz="quarter" idx="11"/>
+          </p:nvPr>
+        </p:nvSpPr>
+        <p:spPr/>
+        <p:txBody>
+          <a:bodyPr/>
+          <a:lstStyle/>
+          <a:p>
+            <a:r>
+              <a:rPr lang="en-US" dirty="0" smtClean="0"/>
+              <a:t>&gt; chef generate recipe --help</a:t>
+            </a:r>
+            <a:endParaRPr lang="en-US" dirty="0"/>
+          </a:p>
+        </p:txBody>
+      </p:sp>
+      <p:sp>
+        <p:nvSpPr>
+          <p:cNvPr id="5" name="Content Placeholder 4"/>
+          <p:cNvSpPr>
+            <a:spLocks noGrp="1"/>
+          </p:cNvSpPr>
+          <p:nvPr>
+            <p:ph sz="quarter" idx="12"/>
+          </p:nvPr>
+        </p:nvSpPr>
+        <p:spPr/>
+        <p:txBody>
+          <a:bodyPr/>
+          <a:lstStyle/>
+          <a:p>
+            <a:endParaRPr lang="en-US"/>
+          </a:p>
+        </p:txBody>
+      </p:sp>
+    </p:spTree>
+    <p:extLst>
+      <p:ext uri="{BB962C8B-B14F-4D97-AF65-F5344CB8AC3E}">
+        <p14:creationId xmlns:p14="http://schemas.microsoft.com/office/powerpoint/2010/main" val="1632433051"/>
+      </p:ext>
+    </p:extLst>
+  </p:cSld>
+  <p:clrMapOvr>
+    <a:masterClrMapping/>
+  </p:clrMapOvr>
+  <p:transition spd="med">
+    <p:fade/>
+  </p:transition>
+</p:sld>
+</file>
+
+<file path=ppt/slides/slide18.xml><?xml version="1.0" encoding="utf-8"?>
+<p:sld xmlns:a="http://schemas.openxmlformats.org/drawingml/2006/main" xmlns:r="http://schemas.openxmlformats.org/officeDocument/2006/relationships" xmlns:p="http://schemas.openxmlformats.org/presentationml/2006/main">
+  <p:cSld>
+    <p:spTree>
+      <p:nvGrpSpPr>
+        <p:cNvPr id="1" name=""/>
+        <p:cNvGrpSpPr/>
+        <p:nvPr/>
+      </p:nvGrpSpPr>
+      <p:grpSpPr>
+        <a:xfrm>
+          <a:off x="0" y="0"/>
+          <a:ext cx="0" cy="0"/>
+          <a:chOff x="0" y="0"/>
+          <a:chExt cx="0" cy="0"/>
+        </a:xfrm>
+      </p:grpSpPr>
+      <p:sp>
+        <p:nvSpPr>
+          <p:cNvPr id="2" name="Title 1"/>
+          <p:cNvSpPr>
+            <a:spLocks noGrp="1"/>
+          </p:cNvSpPr>
+          <p:nvPr>
+            <p:ph type="title"/>
+          </p:nvPr>
+        </p:nvSpPr>
+        <p:spPr/>
+        <p:txBody>
+          <a:bodyPr/>
+          <a:lstStyle/>
+          <a:p>
+            <a:endParaRPr lang="en-US"/>
+          </a:p>
+        </p:txBody>
+      </p:sp>
+      <p:sp>
+        <p:nvSpPr>
+          <p:cNvPr id="3" name="Content Placeholder 2"/>
+          <p:cNvSpPr>
+            <a:spLocks noGrp="1"/>
+          </p:cNvSpPr>
+          <p:nvPr>
+            <p:ph sz="quarter" idx="10"/>
+          </p:nvPr>
+        </p:nvSpPr>
+        <p:spPr/>
+        <p:txBody>
+          <a:bodyPr/>
+          <a:lstStyle/>
+          <a:p>
+            <a:endParaRPr lang="en-US"/>
+          </a:p>
+        </p:txBody>
+      </p:sp>
+      <p:sp>
+        <p:nvSpPr>
+          <p:cNvPr id="4" name="Text Placeholder 3"/>
+          <p:cNvSpPr>
+            <a:spLocks noGrp="1"/>
+          </p:cNvSpPr>
+          <p:nvPr>
+            <p:ph type="body" sz="quarter" idx="11"/>
+          </p:nvPr>
+        </p:nvSpPr>
+        <p:spPr/>
+        <p:txBody>
+          <a:bodyPr/>
+          <a:lstStyle/>
+          <a:p>
+            <a:r>
+              <a:rPr lang="en-US" dirty="0" smtClean="0"/>
+              <a:t>&gt; chef generate recipe server</a:t>
+            </a:r>
+            <a:endParaRPr lang="en-US" dirty="0"/>
+          </a:p>
+        </p:txBody>
+      </p:sp>
+      <p:sp>
+        <p:nvSpPr>
+          <p:cNvPr id="5" name="Content Placeholder 4"/>
+          <p:cNvSpPr>
+            <a:spLocks noGrp="1"/>
+          </p:cNvSpPr>
+          <p:nvPr>
+            <p:ph sz="quarter" idx="12"/>
+          </p:nvPr>
+        </p:nvSpPr>
+        <p:spPr/>
+        <p:txBody>
+          <a:bodyPr/>
+          <a:lstStyle/>
+          <a:p>
+            <a:endParaRPr lang="en-US"/>
+          </a:p>
+        </p:txBody>
+      </p:sp>
+    </p:spTree>
+    <p:extLst>
+      <p:ext uri="{BB962C8B-B14F-4D97-AF65-F5344CB8AC3E}">
+        <p14:creationId xmlns:p14="http://schemas.microsoft.com/office/powerpoint/2010/main" val="1988615537"/>
+      </p:ext>
+    </p:extLst>
+  </p:cSld>
+  <p:clrMapOvr>
+    <a:masterClrMapping/>
+  </p:clrMapOvr>
+  <p:transition spd="med">
+    <p:fade/>
+  </p:transition>
+</p:sld>
+</file>
+
+<file path=ppt/slides/slide19.xml><?xml version="1.0" encoding="utf-8"?>
+<p:sld xmlns:a="http://schemas.openxmlformats.org/drawingml/2006/main" xmlns:r="http://schemas.openxmlformats.org/officeDocument/2006/relationships" xmlns:p="http://schemas.openxmlformats.org/presentationml/2006/main">
+  <p:cSld>
+    <p:spTree>
+      <p:nvGrpSpPr>
+        <p:cNvPr id="1" name=""/>
+        <p:cNvGrpSpPr/>
+        <p:nvPr/>
+      </p:nvGrpSpPr>
+      <p:grpSpPr>
+        <a:xfrm>
+          <a:off x="0" y="0"/>
+          <a:ext cx="0" cy="0"/>
+          <a:chOff x="0" y="0"/>
+          <a:chExt cx="0" cy="0"/>
+        </a:xfrm>
+      </p:grpSpPr>
+      <p:sp>
+        <p:nvSpPr>
+          <p:cNvPr id="2" name="Title 1"/>
+          <p:cNvSpPr>
+            <a:spLocks noGrp="1"/>
+          </p:cNvSpPr>
+          <p:nvPr>
+            <p:ph type="title"/>
+          </p:nvPr>
+        </p:nvSpPr>
+        <p:spPr/>
+        <p:txBody>
+          <a:bodyPr/>
+          <a:lstStyle/>
+          <a:p>
+            <a:endParaRPr lang="en-US"/>
+          </a:p>
+        </p:txBody>
+      </p:sp>
+      <p:sp>
+        <p:nvSpPr>
+          <p:cNvPr id="3" name="Content Placeholder 2"/>
+          <p:cNvSpPr>
+            <a:spLocks noGrp="1"/>
+          </p:cNvSpPr>
+          <p:nvPr>
+            <p:ph sz="quarter" idx="10"/>
+          </p:nvPr>
+        </p:nvSpPr>
+        <p:spPr/>
+        <p:txBody>
+          <a:bodyPr/>
+          <a:lstStyle/>
+          <a:p>
+            <a:r>
+              <a:rPr lang="en-US" b="1" dirty="0"/>
+              <a:t>#</a:t>
+            </a:r>
+          </a:p>
+          <a:p>
+            <a:r>
+              <a:rPr lang="en-US" b="1" dirty="0"/>
+              <a:t># Cookbook Name:: apache</a:t>
+            </a:r>
+          </a:p>
+          <a:p>
+            <a:r>
+              <a:rPr lang="en-US" b="1" dirty="0"/>
+              <a:t># Recipe:: server</a:t>
+            </a:r>
+          </a:p>
+          <a:p>
+            <a:r>
+              <a:rPr lang="en-US" b="1" dirty="0"/>
+              <a:t>#</a:t>
+            </a:r>
+          </a:p>
+          <a:p>
+            <a:r>
+              <a:rPr lang="en-US" b="1" dirty="0"/>
+              <a:t># Copyright (c) 2015 The Authors, All Rights Reserved</a:t>
+            </a:r>
+            <a:r>
+              <a:rPr lang="en-US" b="1" dirty="0" smtClean="0"/>
+              <a:t>.</a:t>
+            </a:r>
+          </a:p>
+          <a:p>
+            <a:r>
+              <a:rPr lang="en-US" b="1" dirty="0" smtClean="0"/>
+              <a:t>package '</a:t>
+            </a:r>
+            <a:r>
+              <a:rPr lang="en-US" b="1" dirty="0" err="1" smtClean="0"/>
+              <a:t>httpd</a:t>
+            </a:r>
+            <a:r>
+              <a:rPr lang="en-US" b="1" dirty="0" smtClean="0"/>
+              <a:t>' do</a:t>
+            </a:r>
+          </a:p>
+          <a:p>
+            <a:r>
+              <a:rPr lang="en-US" b="1" dirty="0" smtClean="0"/>
+              <a:t>  action :install</a:t>
+            </a:r>
+            <a:endParaRPr lang="en-US" b="1" dirty="0"/>
+          </a:p>
+          <a:p>
+            <a:r>
+              <a:rPr lang="en-US" b="1" dirty="0" smtClean="0"/>
+              <a:t>end</a:t>
+            </a:r>
+            <a:endParaRPr lang="en-US" b="1" dirty="0"/>
+          </a:p>
+        </p:txBody>
+      </p:sp>
+      <p:sp>
+        <p:nvSpPr>
+          <p:cNvPr id="4" name="Text Placeholder 3"/>
+          <p:cNvSpPr>
+            <a:spLocks noGrp="1"/>
+          </p:cNvSpPr>
+          <p:nvPr>
+            <p:ph type="body" sz="quarter" idx="11"/>
+          </p:nvPr>
+        </p:nvSpPr>
+        <p:spPr/>
+        <p:txBody>
+          <a:bodyPr/>
+          <a:lstStyle/>
+          <a:p>
+            <a:r>
+              <a:rPr lang="en-US" dirty="0" smtClean="0"/>
+              <a:t>~/chef-repo/cookbooks/apache/recipes/</a:t>
+            </a:r>
+            <a:r>
+              <a:rPr lang="en-US" dirty="0" err="1" smtClean="0"/>
+              <a:t>server.rb</a:t>
+            </a:r>
+            <a:endParaRPr lang="en-US" dirty="0"/>
+          </a:p>
+        </p:txBody>
+      </p:sp>
+      <p:sp>
+        <p:nvSpPr>
+          <p:cNvPr id="7" name="Text Placeholder 5"/>
+          <p:cNvSpPr>
+            <a:spLocks noGrp="1"/>
+          </p:cNvSpPr>
+          <p:nvPr>
+            <p:ph type="body" sz="quarter" idx="13"/>
+          </p:nvPr>
+        </p:nvSpPr>
+        <p:spPr>
+          <a:xfrm>
+            <a:off x="1135042" y="4703548"/>
+            <a:ext cx="14404273" cy="1634907"/>
+          </a:xfrm>
+        </p:spPr>
+        <p:txBody>
+          <a:bodyPr/>
+          <a:lstStyle/>
+          <a:p>
+            <a:endParaRPr lang="en-US" dirty="0"/>
+          </a:p>
+        </p:txBody>
+      </p:sp>
+    </p:spTree>
+    <p:extLst>
+      <p:ext uri="{BB962C8B-B14F-4D97-AF65-F5344CB8AC3E}">
+        <p14:creationId xmlns:p14="http://schemas.microsoft.com/office/powerpoint/2010/main" val="627218100"/>
+      </p:ext>
+    </p:extLst>
+  </p:cSld>
+  <p:clrMapOvr>
+    <a:masterClrMapping/>
+  </p:clrMapOvr>
+  <p:transition spd="med">
+    <p:fade/>
+  </p:transition>
+</p:sld>
+</file>
+
 <file path=ppt/slides/slide2.xml><?xml version="1.0" encoding="utf-8"?>
 <p:sld xmlns:a="http://schemas.openxmlformats.org/drawingml/2006/main" xmlns:r="http://schemas.openxmlformats.org/officeDocument/2006/relationships" xmlns:p="http://schemas.openxmlformats.org/presentationml/2006/main">
   <p:cSld>
@@ -8586,7 +10611,7 @@
             </a:pPr>
             <a:r>
               <a:rPr lang="en-US" dirty="0" smtClean="0"/>
-              <a:t>Demonstrate a new skill</a:t>
+              <a:t>Generate a Chef cookbook</a:t>
             </a:r>
           </a:p>
           <a:p>
@@ -8596,19 +10621,8 @@
             </a:pPr>
             <a:r>
               <a:rPr lang="en-US" dirty="0" smtClean="0"/>
-              <a:t>Capable of carrying on a conversation</a:t>
-            </a:r>
-          </a:p>
-          <a:p>
-            <a:pPr marL="457200" indent="-457200">
-              <a:buFont typeface="Wingdings" charset="2"/>
-              <a:buChar char="Ø"/>
-            </a:pPr>
-            <a:r>
-              <a:rPr lang="en-US" dirty="0" smtClean="0"/>
-              <a:t>Know what you do not understand</a:t>
-            </a:r>
-            <a:endParaRPr lang="en-US" dirty="0"/>
+              <a:t>Define a Chef recipe that sets up a web server</a:t>
+            </a:r>
           </a:p>
         </p:txBody>
       </p:sp>
@@ -8616,6 +10630,1337 @@
     <p:extLst>
       <p:ext uri="{BB962C8B-B14F-4D97-AF65-F5344CB8AC3E}">
         <p14:creationId xmlns:p14="http://schemas.microsoft.com/office/powerpoint/2010/main" val="3816834146"/>
+      </p:ext>
+    </p:extLst>
+  </p:cSld>
+  <p:clrMapOvr>
+    <a:masterClrMapping/>
+  </p:clrMapOvr>
+  <p:transition spd="med">
+    <p:fade/>
+  </p:transition>
+</p:sld>
+</file>
+
+<file path=ppt/slides/slide20.xml><?xml version="1.0" encoding="utf-8"?>
+<p:sld xmlns:a="http://schemas.openxmlformats.org/drawingml/2006/main" xmlns:r="http://schemas.openxmlformats.org/officeDocument/2006/relationships" xmlns:p="http://schemas.openxmlformats.org/presentationml/2006/main">
+  <p:cSld>
+    <p:spTree>
+      <p:nvGrpSpPr>
+        <p:cNvPr id="1" name=""/>
+        <p:cNvGrpSpPr/>
+        <p:nvPr/>
+      </p:nvGrpSpPr>
+      <p:grpSpPr>
+        <a:xfrm>
+          <a:off x="0" y="0"/>
+          <a:ext cx="0" cy="0"/>
+          <a:chOff x="0" y="0"/>
+          <a:chExt cx="0" cy="0"/>
+        </a:xfrm>
+      </p:grpSpPr>
+      <p:sp>
+        <p:nvSpPr>
+          <p:cNvPr id="2" name="Title 1"/>
+          <p:cNvSpPr>
+            <a:spLocks noGrp="1"/>
+          </p:cNvSpPr>
+          <p:nvPr>
+            <p:ph type="title"/>
+          </p:nvPr>
+        </p:nvSpPr>
+        <p:spPr/>
+        <p:txBody>
+          <a:bodyPr/>
+          <a:lstStyle/>
+          <a:p>
+            <a:endParaRPr lang="en-US"/>
+          </a:p>
+        </p:txBody>
+      </p:sp>
+      <p:sp>
+        <p:nvSpPr>
+          <p:cNvPr id="3" name="Content Placeholder 2"/>
+          <p:cNvSpPr>
+            <a:spLocks noGrp="1"/>
+          </p:cNvSpPr>
+          <p:nvPr>
+            <p:ph sz="quarter" idx="10"/>
+          </p:nvPr>
+        </p:nvSpPr>
+        <p:spPr/>
+        <p:txBody>
+          <a:bodyPr/>
+          <a:lstStyle/>
+          <a:p>
+            <a:r>
+              <a:rPr lang="en-US" b="1" dirty="0" smtClean="0"/>
+              <a:t>...</a:t>
+            </a:r>
+          </a:p>
+          <a:p>
+            <a:endParaRPr lang="en-US" b="1" dirty="0"/>
+          </a:p>
+          <a:p>
+            <a:r>
+              <a:rPr lang="en-US" b="1" dirty="0"/>
+              <a:t>suites:</a:t>
+            </a:r>
+          </a:p>
+          <a:p>
+            <a:r>
+              <a:rPr lang="en-US" b="1" dirty="0"/>
+              <a:t>  - name: default</a:t>
+            </a:r>
+          </a:p>
+          <a:p>
+            <a:r>
+              <a:rPr lang="en-US" b="1" dirty="0"/>
+              <a:t>    </a:t>
+            </a:r>
+            <a:r>
+              <a:rPr lang="en-US" b="1" dirty="0" err="1"/>
+              <a:t>run_list</a:t>
+            </a:r>
+            <a:r>
+              <a:rPr lang="en-US" b="1" dirty="0"/>
+              <a:t>:</a:t>
+            </a:r>
+          </a:p>
+          <a:p>
+            <a:r>
+              <a:rPr lang="en-US" b="1" dirty="0"/>
+              <a:t>      - recipe[apache::server]</a:t>
+            </a:r>
+          </a:p>
+          <a:p>
+            <a:r>
+              <a:rPr lang="en-US" b="1" dirty="0"/>
+              <a:t>    attributes:</a:t>
+            </a:r>
+          </a:p>
+        </p:txBody>
+      </p:sp>
+      <p:sp>
+        <p:nvSpPr>
+          <p:cNvPr id="4" name="Text Placeholder 3"/>
+          <p:cNvSpPr>
+            <a:spLocks noGrp="1"/>
+          </p:cNvSpPr>
+          <p:nvPr>
+            <p:ph type="body" sz="quarter" idx="11"/>
+          </p:nvPr>
+        </p:nvSpPr>
+        <p:spPr/>
+        <p:txBody>
+          <a:bodyPr/>
+          <a:lstStyle/>
+          <a:p>
+            <a:r>
+              <a:rPr lang="en-US" dirty="0" smtClean="0"/>
+              <a:t>~/chef-repo/cookbooks/apache/.</a:t>
+            </a:r>
+            <a:r>
+              <a:rPr lang="en-US" dirty="0" err="1" smtClean="0"/>
+              <a:t>kitchen.yml</a:t>
+            </a:r>
+            <a:endParaRPr lang="en-US" dirty="0"/>
+          </a:p>
+        </p:txBody>
+      </p:sp>
+      <p:sp>
+        <p:nvSpPr>
+          <p:cNvPr id="6" name="Text Placeholder 5"/>
+          <p:cNvSpPr>
+            <a:spLocks noGrp="1"/>
+          </p:cNvSpPr>
+          <p:nvPr>
+            <p:ph type="body" sz="quarter" idx="13"/>
+          </p:nvPr>
+        </p:nvSpPr>
+        <p:spPr>
+          <a:xfrm>
+            <a:off x="1135042" y="4703548"/>
+            <a:ext cx="14404273" cy="626533"/>
+          </a:xfrm>
+        </p:spPr>
+        <p:txBody>
+          <a:bodyPr/>
+          <a:lstStyle/>
+          <a:p>
+            <a:endParaRPr lang="en-US" dirty="0"/>
+          </a:p>
+        </p:txBody>
+      </p:sp>
+    </p:spTree>
+    <p:extLst>
+      <p:ext uri="{BB962C8B-B14F-4D97-AF65-F5344CB8AC3E}">
+        <p14:creationId xmlns:p14="http://schemas.microsoft.com/office/powerpoint/2010/main" val="1130295338"/>
+      </p:ext>
+    </p:extLst>
+  </p:cSld>
+  <p:clrMapOvr>
+    <a:masterClrMapping/>
+  </p:clrMapOvr>
+  <p:transition spd="med">
+    <p:fade/>
+  </p:transition>
+</p:sld>
+</file>
+
+<file path=ppt/slides/slide21.xml><?xml version="1.0" encoding="utf-8"?>
+<p:sld xmlns:a="http://schemas.openxmlformats.org/drawingml/2006/main" xmlns:r="http://schemas.openxmlformats.org/officeDocument/2006/relationships" xmlns:p="http://schemas.openxmlformats.org/presentationml/2006/main">
+  <p:cSld>
+    <p:spTree>
+      <p:nvGrpSpPr>
+        <p:cNvPr id="1" name=""/>
+        <p:cNvGrpSpPr/>
+        <p:nvPr/>
+      </p:nvGrpSpPr>
+      <p:grpSpPr>
+        <a:xfrm>
+          <a:off x="0" y="0"/>
+          <a:ext cx="0" cy="0"/>
+          <a:chOff x="0" y="0"/>
+          <a:chExt cx="0" cy="0"/>
+        </a:xfrm>
+      </p:grpSpPr>
+      <p:sp>
+        <p:nvSpPr>
+          <p:cNvPr id="2" name="Title 1"/>
+          <p:cNvSpPr>
+            <a:spLocks noGrp="1"/>
+          </p:cNvSpPr>
+          <p:nvPr>
+            <p:ph type="title"/>
+          </p:nvPr>
+        </p:nvSpPr>
+        <p:spPr/>
+        <p:txBody>
+          <a:bodyPr/>
+          <a:lstStyle/>
+          <a:p>
+            <a:endParaRPr lang="en-US"/>
+          </a:p>
+        </p:txBody>
+      </p:sp>
+      <p:sp>
+        <p:nvSpPr>
+          <p:cNvPr id="3" name="Content Placeholder 2"/>
+          <p:cNvSpPr>
+            <a:spLocks noGrp="1"/>
+          </p:cNvSpPr>
+          <p:nvPr>
+            <p:ph sz="quarter" idx="10"/>
+          </p:nvPr>
+        </p:nvSpPr>
+        <p:spPr/>
+        <p:txBody>
+          <a:bodyPr/>
+          <a:lstStyle/>
+          <a:p>
+            <a:endParaRPr lang="en-US"/>
+          </a:p>
+        </p:txBody>
+      </p:sp>
+      <p:sp>
+        <p:nvSpPr>
+          <p:cNvPr id="4" name="Text Placeholder 3"/>
+          <p:cNvSpPr>
+            <a:spLocks noGrp="1"/>
+          </p:cNvSpPr>
+          <p:nvPr>
+            <p:ph type="body" sz="quarter" idx="11"/>
+          </p:nvPr>
+        </p:nvSpPr>
+        <p:spPr/>
+        <p:txBody>
+          <a:bodyPr/>
+          <a:lstStyle/>
+          <a:p>
+            <a:r>
+              <a:rPr lang="en-US" dirty="0" smtClean="0"/>
+              <a:t>&gt; kitchen converge</a:t>
+            </a:r>
+            <a:endParaRPr lang="en-US" dirty="0"/>
+          </a:p>
+        </p:txBody>
+      </p:sp>
+      <p:sp>
+        <p:nvSpPr>
+          <p:cNvPr id="5" name="Content Placeholder 4"/>
+          <p:cNvSpPr>
+            <a:spLocks noGrp="1"/>
+          </p:cNvSpPr>
+          <p:nvPr>
+            <p:ph sz="quarter" idx="12"/>
+          </p:nvPr>
+        </p:nvSpPr>
+        <p:spPr/>
+        <p:txBody>
+          <a:bodyPr/>
+          <a:lstStyle/>
+          <a:p>
+            <a:endParaRPr lang="en-US"/>
+          </a:p>
+        </p:txBody>
+      </p:sp>
+    </p:spTree>
+    <p:extLst>
+      <p:ext uri="{BB962C8B-B14F-4D97-AF65-F5344CB8AC3E}">
+        <p14:creationId xmlns:p14="http://schemas.microsoft.com/office/powerpoint/2010/main" val="837610980"/>
+      </p:ext>
+    </p:extLst>
+  </p:cSld>
+  <p:clrMapOvr>
+    <a:masterClrMapping/>
+  </p:clrMapOvr>
+  <p:transition spd="med">
+    <p:fade/>
+  </p:transition>
+</p:sld>
+</file>
+
+<file path=ppt/slides/slide22.xml><?xml version="1.0" encoding="utf-8"?>
+<p:sld xmlns:a="http://schemas.openxmlformats.org/drawingml/2006/main" xmlns:r="http://schemas.openxmlformats.org/officeDocument/2006/relationships" xmlns:p="http://schemas.openxmlformats.org/presentationml/2006/main">
+  <p:cSld>
+    <p:spTree>
+      <p:nvGrpSpPr>
+        <p:cNvPr id="1" name=""/>
+        <p:cNvGrpSpPr/>
+        <p:nvPr/>
+      </p:nvGrpSpPr>
+      <p:grpSpPr>
+        <a:xfrm>
+          <a:off x="0" y="0"/>
+          <a:ext cx="0" cy="0"/>
+          <a:chOff x="0" y="0"/>
+          <a:chExt cx="0" cy="0"/>
+        </a:xfrm>
+      </p:grpSpPr>
+      <p:sp>
+        <p:nvSpPr>
+          <p:cNvPr id="2" name="Content Placeholder 1"/>
+          <p:cNvSpPr>
+            <a:spLocks noGrp="1"/>
+          </p:cNvSpPr>
+          <p:nvPr>
+            <p:ph sz="quarter" idx="10"/>
+          </p:nvPr>
+        </p:nvSpPr>
+        <p:spPr/>
+        <p:txBody>
+          <a:bodyPr/>
+          <a:lstStyle/>
+          <a:p>
+            <a:endParaRPr lang="en-US"/>
+          </a:p>
+        </p:txBody>
+      </p:sp>
+      <p:sp>
+        <p:nvSpPr>
+          <p:cNvPr id="3" name="Text Placeholder 2"/>
+          <p:cNvSpPr>
+            <a:spLocks noGrp="1"/>
+          </p:cNvSpPr>
+          <p:nvPr>
+            <p:ph type="body" sz="quarter" idx="11"/>
+          </p:nvPr>
+        </p:nvSpPr>
+        <p:spPr/>
+        <p:txBody>
+          <a:bodyPr/>
+          <a:lstStyle/>
+          <a:p>
+            <a:r>
+              <a:rPr lang="en-US" dirty="0" smtClean="0"/>
+              <a:t>&gt; kitchen login</a:t>
+            </a:r>
+            <a:endParaRPr lang="en-US" dirty="0"/>
+          </a:p>
+        </p:txBody>
+      </p:sp>
+      <p:sp>
+        <p:nvSpPr>
+          <p:cNvPr id="4" name="Content Placeholder 3"/>
+          <p:cNvSpPr>
+            <a:spLocks noGrp="1"/>
+          </p:cNvSpPr>
+          <p:nvPr>
+            <p:ph sz="quarter" idx="12"/>
+          </p:nvPr>
+        </p:nvSpPr>
+        <p:spPr/>
+        <p:txBody>
+          <a:bodyPr/>
+          <a:lstStyle/>
+          <a:p>
+            <a:endParaRPr lang="en-US"/>
+          </a:p>
+        </p:txBody>
+      </p:sp>
+      <p:sp>
+        <p:nvSpPr>
+          <p:cNvPr id="5" name="Title 4"/>
+          <p:cNvSpPr>
+            <a:spLocks noGrp="1"/>
+          </p:cNvSpPr>
+          <p:nvPr>
+            <p:ph type="title"/>
+          </p:nvPr>
+        </p:nvSpPr>
+        <p:spPr/>
+        <p:txBody>
+          <a:bodyPr/>
+          <a:lstStyle/>
+          <a:p>
+            <a:endParaRPr lang="en-US"/>
+          </a:p>
+        </p:txBody>
+      </p:sp>
+    </p:spTree>
+    <p:extLst>
+      <p:ext uri="{BB962C8B-B14F-4D97-AF65-F5344CB8AC3E}">
+        <p14:creationId xmlns:p14="http://schemas.microsoft.com/office/powerpoint/2010/main" val="230347720"/>
+      </p:ext>
+    </p:extLst>
+  </p:cSld>
+  <p:clrMapOvr>
+    <a:masterClrMapping/>
+  </p:clrMapOvr>
+  <p:transition spd="med">
+    <p:fade/>
+  </p:transition>
+</p:sld>
+</file>
+
+<file path=ppt/slides/slide23.xml><?xml version="1.0" encoding="utf-8"?>
+<p:sld xmlns:a="http://schemas.openxmlformats.org/drawingml/2006/main" xmlns:r="http://schemas.openxmlformats.org/officeDocument/2006/relationships" xmlns:p="http://schemas.openxmlformats.org/presentationml/2006/main">
+  <p:cSld>
+    <p:spTree>
+      <p:nvGrpSpPr>
+        <p:cNvPr id="1" name=""/>
+        <p:cNvGrpSpPr/>
+        <p:nvPr/>
+      </p:nvGrpSpPr>
+      <p:grpSpPr>
+        <a:xfrm>
+          <a:off x="0" y="0"/>
+          <a:ext cx="0" cy="0"/>
+          <a:chOff x="0" y="0"/>
+          <a:chExt cx="0" cy="0"/>
+        </a:xfrm>
+      </p:grpSpPr>
+      <p:sp>
+        <p:nvSpPr>
+          <p:cNvPr id="2" name="Content Placeholder 1"/>
+          <p:cNvSpPr>
+            <a:spLocks noGrp="1"/>
+          </p:cNvSpPr>
+          <p:nvPr>
+            <p:ph sz="quarter" idx="10"/>
+          </p:nvPr>
+        </p:nvSpPr>
+        <p:spPr/>
+        <p:txBody>
+          <a:bodyPr/>
+          <a:lstStyle/>
+          <a:p>
+            <a:endParaRPr lang="en-US"/>
+          </a:p>
+        </p:txBody>
+      </p:sp>
+      <p:sp>
+        <p:nvSpPr>
+          <p:cNvPr id="3" name="Text Placeholder 2"/>
+          <p:cNvSpPr>
+            <a:spLocks noGrp="1"/>
+          </p:cNvSpPr>
+          <p:nvPr>
+            <p:ph type="body" sz="quarter" idx="11"/>
+          </p:nvPr>
+        </p:nvSpPr>
+        <p:spPr/>
+        <p:txBody>
+          <a:bodyPr/>
+          <a:lstStyle/>
+          <a:p>
+            <a:r>
+              <a:rPr lang="en-US" dirty="0" smtClean="0"/>
+              <a:t>&gt; rpm -q </a:t>
+            </a:r>
+            <a:r>
+              <a:rPr lang="en-US" dirty="0" err="1" smtClean="0"/>
+              <a:t>httpd</a:t>
+            </a:r>
+            <a:endParaRPr lang="en-US" dirty="0"/>
+          </a:p>
+        </p:txBody>
+      </p:sp>
+      <p:sp>
+        <p:nvSpPr>
+          <p:cNvPr id="4" name="Content Placeholder 3"/>
+          <p:cNvSpPr>
+            <a:spLocks noGrp="1"/>
+          </p:cNvSpPr>
+          <p:nvPr>
+            <p:ph sz="quarter" idx="12"/>
+          </p:nvPr>
+        </p:nvSpPr>
+        <p:spPr/>
+        <p:txBody>
+          <a:bodyPr/>
+          <a:lstStyle/>
+          <a:p>
+            <a:endParaRPr lang="en-US"/>
+          </a:p>
+        </p:txBody>
+      </p:sp>
+      <p:sp>
+        <p:nvSpPr>
+          <p:cNvPr id="5" name="Title 4"/>
+          <p:cNvSpPr>
+            <a:spLocks noGrp="1"/>
+          </p:cNvSpPr>
+          <p:nvPr>
+            <p:ph type="title"/>
+          </p:nvPr>
+        </p:nvSpPr>
+        <p:spPr/>
+        <p:txBody>
+          <a:bodyPr/>
+          <a:lstStyle/>
+          <a:p>
+            <a:endParaRPr lang="en-US"/>
+          </a:p>
+        </p:txBody>
+      </p:sp>
+    </p:spTree>
+    <p:extLst>
+      <p:ext uri="{BB962C8B-B14F-4D97-AF65-F5344CB8AC3E}">
+        <p14:creationId xmlns:p14="http://schemas.microsoft.com/office/powerpoint/2010/main" val="1537082062"/>
+      </p:ext>
+    </p:extLst>
+  </p:cSld>
+  <p:clrMapOvr>
+    <a:masterClrMapping/>
+  </p:clrMapOvr>
+  <p:transition spd="med">
+    <p:fade/>
+  </p:transition>
+</p:sld>
+</file>
+
+<file path=ppt/slides/slide24.xml><?xml version="1.0" encoding="utf-8"?>
+<p:sld xmlns:a="http://schemas.openxmlformats.org/drawingml/2006/main" xmlns:r="http://schemas.openxmlformats.org/officeDocument/2006/relationships" xmlns:p="http://schemas.openxmlformats.org/presentationml/2006/main">
+  <p:cSld>
+    <p:spTree>
+      <p:nvGrpSpPr>
+        <p:cNvPr id="1" name=""/>
+        <p:cNvGrpSpPr/>
+        <p:nvPr/>
+      </p:nvGrpSpPr>
+      <p:grpSpPr>
+        <a:xfrm>
+          <a:off x="0" y="0"/>
+          <a:ext cx="0" cy="0"/>
+          <a:chOff x="0" y="0"/>
+          <a:chExt cx="0" cy="0"/>
+        </a:xfrm>
+      </p:grpSpPr>
+      <p:sp>
+        <p:nvSpPr>
+          <p:cNvPr id="2" name="Title 1"/>
+          <p:cNvSpPr>
+            <a:spLocks noGrp="1"/>
+          </p:cNvSpPr>
+          <p:nvPr>
+            <p:ph type="ctrTitle"/>
+          </p:nvPr>
+        </p:nvSpPr>
+        <p:spPr/>
+        <p:txBody>
+          <a:bodyPr>
+            <a:normAutofit fontScale="90000"/>
+          </a:bodyPr>
+          <a:lstStyle/>
+          <a:p>
+            <a:r>
+              <a:rPr lang="en-US" dirty="0" smtClean="0"/>
+              <a:t>Managing Apache on Linux</a:t>
+            </a:r>
+            <a:endParaRPr lang="en-US" dirty="0"/>
+          </a:p>
+        </p:txBody>
+      </p:sp>
+      <p:sp>
+        <p:nvSpPr>
+          <p:cNvPr id="3" name="Content Placeholder 2"/>
+          <p:cNvSpPr>
+            <a:spLocks noGrp="1"/>
+          </p:cNvSpPr>
+          <p:nvPr>
+            <p:ph sz="quarter" idx="11"/>
+          </p:nvPr>
+        </p:nvSpPr>
+        <p:spPr/>
+        <p:txBody>
+          <a:bodyPr/>
+          <a:lstStyle/>
+          <a:p>
+            <a:endParaRPr lang="en-US" dirty="0"/>
+          </a:p>
+        </p:txBody>
+      </p:sp>
+      <p:sp>
+        <p:nvSpPr>
+          <p:cNvPr id="4" name="Text Placeholder 3"/>
+          <p:cNvSpPr>
+            <a:spLocks noGrp="1"/>
+          </p:cNvSpPr>
+          <p:nvPr>
+            <p:ph type="body" sz="quarter" idx="10"/>
+          </p:nvPr>
+        </p:nvSpPr>
+        <p:spPr/>
+        <p:txBody>
+          <a:bodyPr/>
+          <a:lstStyle/>
+          <a:p>
+            <a:pPr marL="342900" indent="-342900">
+              <a:buFont typeface="Wingdings" charset="2"/>
+              <a:buChar char="ü"/>
+            </a:pPr>
+            <a:r>
+              <a:rPr lang="en-US" dirty="0" smtClean="0"/>
+              <a:t>Generate an apache cookbook</a:t>
+            </a:r>
+          </a:p>
+          <a:p>
+            <a:pPr marL="342900" indent="-342900">
+              <a:buFont typeface="Wingdings" charset="2"/>
+              <a:buChar char="ü"/>
+            </a:pPr>
+            <a:r>
+              <a:rPr lang="en-US" dirty="0"/>
+              <a:t>C</a:t>
+            </a:r>
+            <a:r>
+              <a:rPr lang="en-US" dirty="0" smtClean="0"/>
+              <a:t>reate an instance to test the cookbook against</a:t>
+            </a:r>
+          </a:p>
+          <a:p>
+            <a:pPr marL="342900" indent="-342900">
+              <a:buFont typeface="Wingdings" charset="2"/>
+              <a:buChar char="ü"/>
+            </a:pPr>
+            <a:r>
+              <a:rPr lang="en-US" dirty="0" smtClean="0"/>
+              <a:t>Write the recipe to install the apache package</a:t>
+            </a:r>
+          </a:p>
+          <a:p>
+            <a:pPr marL="342900" indent="-342900">
+              <a:buFont typeface="Wingdings" charset="2"/>
+              <a:buChar char="q"/>
+            </a:pPr>
+            <a:r>
+              <a:rPr lang="en-US" dirty="0" smtClean="0"/>
+              <a:t>Update the recipe to start and enable the apache service</a:t>
+            </a:r>
+          </a:p>
+          <a:p>
+            <a:endParaRPr lang="en-US" dirty="0"/>
+          </a:p>
+        </p:txBody>
+      </p:sp>
+    </p:spTree>
+    <p:extLst>
+      <p:ext uri="{BB962C8B-B14F-4D97-AF65-F5344CB8AC3E}">
+        <p14:creationId xmlns:p14="http://schemas.microsoft.com/office/powerpoint/2010/main" val="1648802745"/>
+      </p:ext>
+    </p:extLst>
+  </p:cSld>
+  <p:clrMapOvr>
+    <a:masterClrMapping/>
+  </p:clrMapOvr>
+  <p:transition spd="med">
+    <p:fade/>
+  </p:transition>
+</p:sld>
+</file>
+
+<file path=ppt/slides/slide25.xml><?xml version="1.0" encoding="utf-8"?>
+<p:sld xmlns:a="http://schemas.openxmlformats.org/drawingml/2006/main" xmlns:r="http://schemas.openxmlformats.org/officeDocument/2006/relationships" xmlns:p="http://schemas.openxmlformats.org/presentationml/2006/main">
+  <p:cSld>
+    <p:spTree>
+      <p:nvGrpSpPr>
+        <p:cNvPr id="1" name=""/>
+        <p:cNvGrpSpPr/>
+        <p:nvPr/>
+      </p:nvGrpSpPr>
+      <p:grpSpPr>
+        <a:xfrm>
+          <a:off x="0" y="0"/>
+          <a:ext cx="0" cy="0"/>
+          <a:chOff x="0" y="0"/>
+          <a:chExt cx="0" cy="0"/>
+        </a:xfrm>
+      </p:grpSpPr>
+      <p:sp>
+        <p:nvSpPr>
+          <p:cNvPr id="2" name="Title 1"/>
+          <p:cNvSpPr>
+            <a:spLocks noGrp="1"/>
+          </p:cNvSpPr>
+          <p:nvPr>
+            <p:ph type="title"/>
+          </p:nvPr>
+        </p:nvSpPr>
+        <p:spPr/>
+        <p:txBody>
+          <a:bodyPr/>
+          <a:lstStyle/>
+          <a:p>
+            <a:endParaRPr lang="en-US"/>
+          </a:p>
+        </p:txBody>
+      </p:sp>
+      <p:sp>
+        <p:nvSpPr>
+          <p:cNvPr id="3" name="Content Placeholder 2"/>
+          <p:cNvSpPr>
+            <a:spLocks noGrp="1"/>
+          </p:cNvSpPr>
+          <p:nvPr>
+            <p:ph sz="quarter" idx="10"/>
+          </p:nvPr>
+        </p:nvSpPr>
+        <p:spPr/>
+        <p:txBody>
+          <a:bodyPr/>
+          <a:lstStyle/>
+          <a:p>
+            <a:r>
+              <a:rPr lang="en-US" b="1" dirty="0"/>
+              <a:t>package '</a:t>
+            </a:r>
+            <a:r>
+              <a:rPr lang="en-US" b="1" dirty="0" err="1"/>
+              <a:t>httpd</a:t>
+            </a:r>
+            <a:r>
+              <a:rPr lang="en-US" b="1" dirty="0"/>
+              <a:t>' do</a:t>
+            </a:r>
+          </a:p>
+          <a:p>
+            <a:r>
+              <a:rPr lang="en-US" b="1" dirty="0"/>
+              <a:t>  action :install</a:t>
+            </a:r>
+          </a:p>
+          <a:p>
+            <a:r>
+              <a:rPr lang="en-US" b="1" dirty="0" smtClean="0"/>
+              <a:t>end</a:t>
+            </a:r>
+          </a:p>
+          <a:p>
+            <a:endParaRPr lang="en-US" b="1" dirty="0"/>
+          </a:p>
+          <a:p>
+            <a:r>
+              <a:rPr lang="en-US" b="1" dirty="0" smtClean="0"/>
+              <a:t>service '</a:t>
+            </a:r>
+            <a:r>
+              <a:rPr lang="en-US" b="1" dirty="0" err="1" smtClean="0"/>
+              <a:t>httpd</a:t>
+            </a:r>
+            <a:r>
+              <a:rPr lang="en-US" b="1" dirty="0" smtClean="0"/>
+              <a:t>' do</a:t>
+            </a:r>
+          </a:p>
+          <a:p>
+            <a:r>
+              <a:rPr lang="en-US" b="1" dirty="0" smtClean="0"/>
+              <a:t>  action [:start, :enable]</a:t>
+            </a:r>
+            <a:endParaRPr lang="en-US" b="1" dirty="0"/>
+          </a:p>
+          <a:p>
+            <a:r>
+              <a:rPr lang="en-US" b="1" dirty="0" smtClean="0"/>
+              <a:t>end</a:t>
+            </a:r>
+            <a:endParaRPr lang="en-US" b="1" dirty="0"/>
+          </a:p>
+        </p:txBody>
+      </p:sp>
+      <p:sp>
+        <p:nvSpPr>
+          <p:cNvPr id="4" name="Text Placeholder 3"/>
+          <p:cNvSpPr>
+            <a:spLocks noGrp="1"/>
+          </p:cNvSpPr>
+          <p:nvPr>
+            <p:ph type="body" sz="quarter" idx="11"/>
+          </p:nvPr>
+        </p:nvSpPr>
+        <p:spPr/>
+        <p:txBody>
+          <a:bodyPr/>
+          <a:lstStyle/>
+          <a:p>
+            <a:r>
+              <a:rPr lang="en-US" dirty="0"/>
+              <a:t>~/</a:t>
+            </a:r>
+            <a:r>
+              <a:rPr lang="en-US" dirty="0" smtClean="0"/>
+              <a:t>chef-repo/cookbooks/apache/recipes/</a:t>
+            </a:r>
+            <a:r>
+              <a:rPr lang="en-US" dirty="0" err="1" smtClean="0"/>
+              <a:t>server.rb</a:t>
+            </a:r>
+            <a:endParaRPr lang="en-US" dirty="0"/>
+          </a:p>
+        </p:txBody>
+      </p:sp>
+      <p:sp>
+        <p:nvSpPr>
+          <p:cNvPr id="6" name="Text Placeholder 5"/>
+          <p:cNvSpPr>
+            <a:spLocks noGrp="1"/>
+          </p:cNvSpPr>
+          <p:nvPr>
+            <p:ph type="body" sz="quarter" idx="13"/>
+          </p:nvPr>
+        </p:nvSpPr>
+        <p:spPr>
+          <a:xfrm>
+            <a:off x="1135042" y="4206983"/>
+            <a:ext cx="14404273" cy="1622318"/>
+          </a:xfrm>
+        </p:spPr>
+        <p:txBody>
+          <a:bodyPr/>
+          <a:lstStyle/>
+          <a:p>
+            <a:endParaRPr lang="en-US" dirty="0"/>
+          </a:p>
+        </p:txBody>
+      </p:sp>
+    </p:spTree>
+    <p:extLst>
+      <p:ext uri="{BB962C8B-B14F-4D97-AF65-F5344CB8AC3E}">
+        <p14:creationId xmlns:p14="http://schemas.microsoft.com/office/powerpoint/2010/main" val="2102445792"/>
+      </p:ext>
+    </p:extLst>
+  </p:cSld>
+  <p:clrMapOvr>
+    <a:masterClrMapping/>
+  </p:clrMapOvr>
+  <p:transition spd="med">
+    <p:fade/>
+  </p:transition>
+</p:sld>
+</file>
+
+<file path=ppt/slides/slide26.xml><?xml version="1.0" encoding="utf-8"?>
+<p:sld xmlns:a="http://schemas.openxmlformats.org/drawingml/2006/main" xmlns:r="http://schemas.openxmlformats.org/officeDocument/2006/relationships" xmlns:p="http://schemas.openxmlformats.org/presentationml/2006/main">
+  <p:cSld>
+    <p:spTree>
+      <p:nvGrpSpPr>
+        <p:cNvPr id="1" name=""/>
+        <p:cNvGrpSpPr/>
+        <p:nvPr/>
+      </p:nvGrpSpPr>
+      <p:grpSpPr>
+        <a:xfrm>
+          <a:off x="0" y="0"/>
+          <a:ext cx="0" cy="0"/>
+          <a:chOff x="0" y="0"/>
+          <a:chExt cx="0" cy="0"/>
+        </a:xfrm>
+      </p:grpSpPr>
+      <p:sp>
+        <p:nvSpPr>
+          <p:cNvPr id="2" name="Title 1"/>
+          <p:cNvSpPr>
+            <a:spLocks noGrp="1"/>
+          </p:cNvSpPr>
+          <p:nvPr>
+            <p:ph type="title"/>
+          </p:nvPr>
+        </p:nvSpPr>
+        <p:spPr/>
+        <p:txBody>
+          <a:bodyPr/>
+          <a:lstStyle/>
+          <a:p>
+            <a:endParaRPr lang="en-US"/>
+          </a:p>
+        </p:txBody>
+      </p:sp>
+      <p:sp>
+        <p:nvSpPr>
+          <p:cNvPr id="3" name="Content Placeholder 2"/>
+          <p:cNvSpPr>
+            <a:spLocks noGrp="1"/>
+          </p:cNvSpPr>
+          <p:nvPr>
+            <p:ph sz="quarter" idx="10"/>
+          </p:nvPr>
+        </p:nvSpPr>
+        <p:spPr/>
+        <p:txBody>
+          <a:bodyPr/>
+          <a:lstStyle/>
+          <a:p>
+            <a:endParaRPr lang="en-US"/>
+          </a:p>
+        </p:txBody>
+      </p:sp>
+      <p:sp>
+        <p:nvSpPr>
+          <p:cNvPr id="4" name="Text Placeholder 3"/>
+          <p:cNvSpPr>
+            <a:spLocks noGrp="1"/>
+          </p:cNvSpPr>
+          <p:nvPr>
+            <p:ph type="body" sz="quarter" idx="11"/>
+          </p:nvPr>
+        </p:nvSpPr>
+        <p:spPr/>
+        <p:txBody>
+          <a:bodyPr/>
+          <a:lstStyle/>
+          <a:p>
+            <a:r>
+              <a:rPr lang="en-US" dirty="0" smtClean="0"/>
+              <a:t>&gt; kitchen converge</a:t>
+            </a:r>
+            <a:endParaRPr lang="en-US" dirty="0"/>
+          </a:p>
+        </p:txBody>
+      </p:sp>
+      <p:sp>
+        <p:nvSpPr>
+          <p:cNvPr id="5" name="Content Placeholder 4"/>
+          <p:cNvSpPr>
+            <a:spLocks noGrp="1"/>
+          </p:cNvSpPr>
+          <p:nvPr>
+            <p:ph sz="quarter" idx="12"/>
+          </p:nvPr>
+        </p:nvSpPr>
+        <p:spPr/>
+        <p:txBody>
+          <a:bodyPr/>
+          <a:lstStyle/>
+          <a:p>
+            <a:endParaRPr lang="en-US"/>
+          </a:p>
+        </p:txBody>
+      </p:sp>
+    </p:spTree>
+    <p:extLst>
+      <p:ext uri="{BB962C8B-B14F-4D97-AF65-F5344CB8AC3E}">
+        <p14:creationId xmlns:p14="http://schemas.microsoft.com/office/powerpoint/2010/main" val="141462159"/>
+      </p:ext>
+    </p:extLst>
+  </p:cSld>
+  <p:clrMapOvr>
+    <a:masterClrMapping/>
+  </p:clrMapOvr>
+  <p:transition spd="med">
+    <p:fade/>
+  </p:transition>
+</p:sld>
+</file>
+
+<file path=ppt/slides/slide27.xml><?xml version="1.0" encoding="utf-8"?>
+<p:sld xmlns:a="http://schemas.openxmlformats.org/drawingml/2006/main" xmlns:r="http://schemas.openxmlformats.org/officeDocument/2006/relationships" xmlns:p="http://schemas.openxmlformats.org/presentationml/2006/main">
+  <p:cSld>
+    <p:spTree>
+      <p:nvGrpSpPr>
+        <p:cNvPr id="1" name=""/>
+        <p:cNvGrpSpPr/>
+        <p:nvPr/>
+      </p:nvGrpSpPr>
+      <p:grpSpPr>
+        <a:xfrm>
+          <a:off x="0" y="0"/>
+          <a:ext cx="0" cy="0"/>
+          <a:chOff x="0" y="0"/>
+          <a:chExt cx="0" cy="0"/>
+        </a:xfrm>
+      </p:grpSpPr>
+      <p:sp>
+        <p:nvSpPr>
+          <p:cNvPr id="2" name="Content Placeholder 1"/>
+          <p:cNvSpPr>
+            <a:spLocks noGrp="1"/>
+          </p:cNvSpPr>
+          <p:nvPr>
+            <p:ph sz="quarter" idx="10"/>
+          </p:nvPr>
+        </p:nvSpPr>
+        <p:spPr/>
+        <p:txBody>
+          <a:bodyPr/>
+          <a:lstStyle/>
+          <a:p>
+            <a:endParaRPr lang="en-US"/>
+          </a:p>
+        </p:txBody>
+      </p:sp>
+      <p:sp>
+        <p:nvSpPr>
+          <p:cNvPr id="3" name="Text Placeholder 2"/>
+          <p:cNvSpPr>
+            <a:spLocks noGrp="1"/>
+          </p:cNvSpPr>
+          <p:nvPr>
+            <p:ph type="body" sz="quarter" idx="11"/>
+          </p:nvPr>
+        </p:nvSpPr>
+        <p:spPr/>
+        <p:txBody>
+          <a:bodyPr/>
+          <a:lstStyle/>
+          <a:p>
+            <a:r>
+              <a:rPr lang="en-US" dirty="0" smtClean="0"/>
+              <a:t>&gt; curl </a:t>
+            </a:r>
+            <a:r>
+              <a:rPr lang="en-US" dirty="0" err="1" smtClean="0"/>
+              <a:t>localhost</a:t>
+            </a:r>
+            <a:endParaRPr lang="en-US" dirty="0"/>
+          </a:p>
+        </p:txBody>
+      </p:sp>
+      <p:sp>
+        <p:nvSpPr>
+          <p:cNvPr id="4" name="Content Placeholder 3"/>
+          <p:cNvSpPr>
+            <a:spLocks noGrp="1"/>
+          </p:cNvSpPr>
+          <p:nvPr>
+            <p:ph sz="quarter" idx="12"/>
+          </p:nvPr>
+        </p:nvSpPr>
+        <p:spPr/>
+        <p:txBody>
+          <a:bodyPr/>
+          <a:lstStyle/>
+          <a:p>
+            <a:endParaRPr lang="en-US"/>
+          </a:p>
+        </p:txBody>
+      </p:sp>
+      <p:sp>
+        <p:nvSpPr>
+          <p:cNvPr id="5" name="Title 4"/>
+          <p:cNvSpPr>
+            <a:spLocks noGrp="1"/>
+          </p:cNvSpPr>
+          <p:nvPr>
+            <p:ph type="title"/>
+          </p:nvPr>
+        </p:nvSpPr>
+        <p:spPr/>
+        <p:txBody>
+          <a:bodyPr/>
+          <a:lstStyle/>
+          <a:p>
+            <a:endParaRPr lang="en-US"/>
+          </a:p>
+        </p:txBody>
+      </p:sp>
+    </p:spTree>
+    <p:extLst>
+      <p:ext uri="{BB962C8B-B14F-4D97-AF65-F5344CB8AC3E}">
+        <p14:creationId xmlns:p14="http://schemas.microsoft.com/office/powerpoint/2010/main" val="1458990908"/>
+      </p:ext>
+    </p:extLst>
+  </p:cSld>
+  <p:clrMapOvr>
+    <a:masterClrMapping/>
+  </p:clrMapOvr>
+  <p:transition spd="med">
+    <p:fade/>
+  </p:transition>
+</p:sld>
+</file>
+
+<file path=ppt/slides/slide28.xml><?xml version="1.0" encoding="utf-8"?>
+<p:sld xmlns:a="http://schemas.openxmlformats.org/drawingml/2006/main" xmlns:r="http://schemas.openxmlformats.org/officeDocument/2006/relationships" xmlns:p="http://schemas.openxmlformats.org/presentationml/2006/main">
+  <p:cSld>
+    <p:spTree>
+      <p:nvGrpSpPr>
+        <p:cNvPr id="1" name=""/>
+        <p:cNvGrpSpPr/>
+        <p:nvPr/>
+      </p:nvGrpSpPr>
+      <p:grpSpPr>
+        <a:xfrm>
+          <a:off x="0" y="0"/>
+          <a:ext cx="0" cy="0"/>
+          <a:chOff x="0" y="0"/>
+          <a:chExt cx="0" cy="0"/>
+        </a:xfrm>
+      </p:grpSpPr>
+      <p:sp>
+        <p:nvSpPr>
+          <p:cNvPr id="2" name="Title 1"/>
+          <p:cNvSpPr>
+            <a:spLocks noGrp="1"/>
+          </p:cNvSpPr>
+          <p:nvPr>
+            <p:ph type="ctrTitle"/>
+          </p:nvPr>
+        </p:nvSpPr>
+        <p:spPr/>
+        <p:txBody>
+          <a:bodyPr>
+            <a:normAutofit fontScale="90000"/>
+          </a:bodyPr>
+          <a:lstStyle/>
+          <a:p>
+            <a:r>
+              <a:rPr lang="en-US" dirty="0" smtClean="0"/>
+              <a:t>Managing Apache on Linux</a:t>
+            </a:r>
+            <a:endParaRPr lang="en-US" dirty="0"/>
+          </a:p>
+        </p:txBody>
+      </p:sp>
+      <p:sp>
+        <p:nvSpPr>
+          <p:cNvPr id="3" name="Content Placeholder 2"/>
+          <p:cNvSpPr>
+            <a:spLocks noGrp="1"/>
+          </p:cNvSpPr>
+          <p:nvPr>
+            <p:ph sz="quarter" idx="11"/>
+          </p:nvPr>
+        </p:nvSpPr>
+        <p:spPr/>
+        <p:txBody>
+          <a:bodyPr/>
+          <a:lstStyle/>
+          <a:p>
+            <a:endParaRPr lang="en-US" dirty="0"/>
+          </a:p>
+        </p:txBody>
+      </p:sp>
+      <p:sp>
+        <p:nvSpPr>
+          <p:cNvPr id="4" name="Text Placeholder 3"/>
+          <p:cNvSpPr>
+            <a:spLocks noGrp="1"/>
+          </p:cNvSpPr>
+          <p:nvPr>
+            <p:ph type="body" sz="quarter" idx="10"/>
+          </p:nvPr>
+        </p:nvSpPr>
+        <p:spPr/>
+        <p:txBody>
+          <a:bodyPr/>
+          <a:lstStyle/>
+          <a:p>
+            <a:pPr marL="342900" indent="-342900">
+              <a:buFont typeface="Wingdings" charset="2"/>
+              <a:buChar char="ü"/>
+            </a:pPr>
+            <a:r>
+              <a:rPr lang="en-US" dirty="0" smtClean="0"/>
+              <a:t>Generate an apache cookbook</a:t>
+            </a:r>
+          </a:p>
+          <a:p>
+            <a:pPr marL="342900" indent="-342900">
+              <a:buFont typeface="Wingdings" charset="2"/>
+              <a:buChar char="ü"/>
+            </a:pPr>
+            <a:r>
+              <a:rPr lang="en-US" dirty="0"/>
+              <a:t>C</a:t>
+            </a:r>
+            <a:r>
+              <a:rPr lang="en-US" dirty="0" smtClean="0"/>
+              <a:t>reate an instance to test the cookbook against</a:t>
+            </a:r>
+          </a:p>
+          <a:p>
+            <a:pPr marL="342900" indent="-342900">
+              <a:buFont typeface="Wingdings" charset="2"/>
+              <a:buChar char="ü"/>
+            </a:pPr>
+            <a:r>
+              <a:rPr lang="en-US" dirty="0" smtClean="0"/>
+              <a:t>Write the recipe to install the apache package</a:t>
+            </a:r>
+          </a:p>
+          <a:p>
+            <a:pPr marL="342900" indent="-342900">
+              <a:buFont typeface="Wingdings" charset="2"/>
+              <a:buChar char="ü"/>
+            </a:pPr>
+            <a:r>
+              <a:rPr lang="en-US" dirty="0" smtClean="0"/>
+              <a:t>Update the recipe to start and enable the apache service</a:t>
+            </a:r>
+          </a:p>
+          <a:p>
+            <a:endParaRPr lang="en-US" dirty="0"/>
+          </a:p>
+        </p:txBody>
+      </p:sp>
+    </p:spTree>
+    <p:extLst>
+      <p:ext uri="{BB962C8B-B14F-4D97-AF65-F5344CB8AC3E}">
+        <p14:creationId xmlns:p14="http://schemas.microsoft.com/office/powerpoint/2010/main" val="347207203"/>
+      </p:ext>
+    </p:extLst>
+  </p:cSld>
+  <p:clrMapOvr>
+    <a:masterClrMapping/>
+  </p:clrMapOvr>
+  <p:transition spd="med">
+    <p:fade/>
+  </p:transition>
+</p:sld>
+</file>
+
+<file path=ppt/slides/slide29.xml><?xml version="1.0" encoding="utf-8"?>
+<p:sld xmlns:a="http://schemas.openxmlformats.org/drawingml/2006/main" xmlns:r="http://schemas.openxmlformats.org/officeDocument/2006/relationships" xmlns:p="http://schemas.openxmlformats.org/presentationml/2006/main">
+  <p:cSld>
+    <p:spTree>
+      <p:nvGrpSpPr>
+        <p:cNvPr id="1" name=""/>
+        <p:cNvGrpSpPr/>
+        <p:nvPr/>
+      </p:nvGrpSpPr>
+      <p:grpSpPr>
+        <a:xfrm>
+          <a:off x="0" y="0"/>
+          <a:ext cx="0" cy="0"/>
+          <a:chOff x="0" y="0"/>
+          <a:chExt cx="0" cy="0"/>
+        </a:xfrm>
+      </p:grpSpPr>
+      <p:sp>
+        <p:nvSpPr>
+          <p:cNvPr id="2" name="Title 1"/>
+          <p:cNvSpPr>
+            <a:spLocks noGrp="1"/>
+          </p:cNvSpPr>
+          <p:nvPr>
+            <p:ph type="ctrTitle"/>
+          </p:nvPr>
+        </p:nvSpPr>
+        <p:spPr/>
+        <p:txBody>
+          <a:bodyPr>
+            <a:normAutofit fontScale="90000"/>
+          </a:bodyPr>
+          <a:lstStyle/>
+          <a:p>
+            <a:r>
+              <a:rPr lang="en-US" dirty="0" smtClean="0"/>
+              <a:t>New Default Home Page</a:t>
+            </a:r>
+            <a:endParaRPr lang="en-US" dirty="0"/>
+          </a:p>
+        </p:txBody>
+      </p:sp>
+      <p:sp>
+        <p:nvSpPr>
+          <p:cNvPr id="3" name="Subtitle 2"/>
+          <p:cNvSpPr>
+            <a:spLocks noGrp="1"/>
+          </p:cNvSpPr>
+          <p:nvPr>
+            <p:ph type="subTitle" idx="1"/>
+          </p:nvPr>
+        </p:nvSpPr>
+        <p:spPr/>
+        <p:txBody>
+          <a:bodyPr/>
+          <a:lstStyle/>
+          <a:p>
+            <a:r>
+              <a:rPr lang="en-US" dirty="0" smtClean="0"/>
+              <a:t>Update the server recipe to define a new home page</a:t>
+            </a:r>
+          </a:p>
+          <a:p>
+            <a:pPr marL="0" indent="0">
+              <a:buNone/>
+            </a:pPr>
+            <a:endParaRPr lang="en-US" dirty="0"/>
+          </a:p>
+          <a:p>
+            <a:pPr marL="0" indent="0">
+              <a:buNone/>
+            </a:pPr>
+            <a:r>
+              <a:rPr lang="en-US" sz="2400" b="1" dirty="0" smtClean="0"/>
+              <a:t>The file named '/</a:t>
+            </a:r>
+            <a:r>
+              <a:rPr lang="en-US" sz="2400" b="1" dirty="0" err="1" smtClean="0"/>
+              <a:t>var</a:t>
+            </a:r>
+            <a:r>
+              <a:rPr lang="en-US" sz="2400" b="1" dirty="0" smtClean="0"/>
+              <a:t>/www/html/</a:t>
+            </a:r>
+            <a:r>
+              <a:rPr lang="en-US" sz="2400" b="1" dirty="0" err="1" smtClean="0"/>
+              <a:t>index.html</a:t>
+            </a:r>
+            <a:r>
+              <a:rPr lang="en-US" sz="2400" b="1" dirty="0" smtClean="0"/>
+              <a:t>' has the </a:t>
+            </a:r>
+            <a:r>
+              <a:rPr lang="en-US" sz="2400" b="1" dirty="0"/>
+              <a:t>content '&lt;h1&gt;Hello, world!&lt;/h1&gt;'</a:t>
+            </a:r>
+            <a:endParaRPr lang="en-US" dirty="0"/>
+          </a:p>
+          <a:p>
+            <a:endParaRPr lang="en-US" dirty="0" smtClean="0"/>
+          </a:p>
+          <a:p>
+            <a:r>
+              <a:rPr lang="en-US" dirty="0" smtClean="0"/>
+              <a:t>Converge the new recipe</a:t>
+            </a:r>
+          </a:p>
+          <a:p>
+            <a:r>
+              <a:rPr lang="en-US" dirty="0" smtClean="0"/>
+              <a:t>Verify that the new home page is present</a:t>
+            </a:r>
+            <a:endParaRPr lang="en-US" dirty="0"/>
+          </a:p>
+        </p:txBody>
+      </p:sp>
+    </p:spTree>
+    <p:extLst>
+      <p:ext uri="{BB962C8B-B14F-4D97-AF65-F5344CB8AC3E}">
+        <p14:creationId xmlns:p14="http://schemas.microsoft.com/office/powerpoint/2010/main" val="1208654884"/>
       </p:ext>
     </p:extLst>
   </p:cSld>
@@ -8664,6 +12009,584 @@
           <a:p>
             <a:r>
               <a:rPr lang="en-US" dirty="0" smtClean="0"/>
+              <a:t>Managing Apache on Linux</a:t>
+            </a:r>
+            <a:endParaRPr lang="en-US" dirty="0"/>
+          </a:p>
+        </p:txBody>
+      </p:sp>
+      <p:sp>
+        <p:nvSpPr>
+          <p:cNvPr id="3" name="Content Placeholder 2"/>
+          <p:cNvSpPr>
+            <a:spLocks noGrp="1"/>
+          </p:cNvSpPr>
+          <p:nvPr>
+            <p:ph sz="quarter" idx="11"/>
+          </p:nvPr>
+        </p:nvSpPr>
+        <p:spPr/>
+        <p:txBody>
+          <a:bodyPr/>
+          <a:lstStyle/>
+          <a:p>
+            <a:endParaRPr lang="en-US" dirty="0"/>
+          </a:p>
+        </p:txBody>
+      </p:sp>
+      <p:sp>
+        <p:nvSpPr>
+          <p:cNvPr id="4" name="Text Placeholder 3"/>
+          <p:cNvSpPr>
+            <a:spLocks noGrp="1"/>
+          </p:cNvSpPr>
+          <p:nvPr>
+            <p:ph type="body" sz="quarter" idx="10"/>
+          </p:nvPr>
+        </p:nvSpPr>
+        <p:spPr/>
+        <p:txBody>
+          <a:bodyPr/>
+          <a:lstStyle/>
+          <a:p>
+            <a:pPr marL="342900" indent="-342900">
+              <a:buFont typeface="Wingdings" charset="2"/>
+              <a:buChar char="q"/>
+            </a:pPr>
+            <a:r>
+              <a:rPr lang="en-US" dirty="0" smtClean="0"/>
+              <a:t>Generate an apache cookbook</a:t>
+            </a:r>
+          </a:p>
+          <a:p>
+            <a:pPr marL="342900" indent="-342900">
+              <a:buFont typeface="Wingdings" charset="2"/>
+              <a:buChar char="q"/>
+            </a:pPr>
+            <a:r>
+              <a:rPr lang="en-US" dirty="0"/>
+              <a:t>C</a:t>
+            </a:r>
+            <a:r>
+              <a:rPr lang="en-US" dirty="0" smtClean="0"/>
+              <a:t>reate an instance to test the cookbook against</a:t>
+            </a:r>
+          </a:p>
+          <a:p>
+            <a:pPr marL="342900" indent="-342900">
+              <a:buFont typeface="Wingdings" charset="2"/>
+              <a:buChar char="q"/>
+            </a:pPr>
+            <a:r>
+              <a:rPr lang="en-US" dirty="0" smtClean="0"/>
+              <a:t>Write the recipe to install the apache package</a:t>
+            </a:r>
+          </a:p>
+          <a:p>
+            <a:pPr marL="342900" indent="-342900">
+              <a:buFont typeface="Wingdings" charset="2"/>
+              <a:buChar char="q"/>
+            </a:pPr>
+            <a:r>
+              <a:rPr lang="en-US" dirty="0" smtClean="0"/>
+              <a:t>Update the recipe to start and enable the apache service</a:t>
+            </a:r>
+          </a:p>
+          <a:p>
+            <a:endParaRPr lang="en-US" dirty="0"/>
+          </a:p>
+        </p:txBody>
+      </p:sp>
+    </p:spTree>
+    <p:extLst>
+      <p:ext uri="{BB962C8B-B14F-4D97-AF65-F5344CB8AC3E}">
+        <p14:creationId xmlns:p14="http://schemas.microsoft.com/office/powerpoint/2010/main" val="1903175110"/>
+      </p:ext>
+    </p:extLst>
+  </p:cSld>
+  <p:clrMapOvr>
+    <a:masterClrMapping/>
+  </p:clrMapOvr>
+  <p:transition spd="med">
+    <p:fade/>
+  </p:transition>
+</p:sld>
+</file>
+
+<file path=ppt/slides/slide30.xml><?xml version="1.0" encoding="utf-8"?>
+<p:sld xmlns:a="http://schemas.openxmlformats.org/drawingml/2006/main" xmlns:r="http://schemas.openxmlformats.org/officeDocument/2006/relationships" xmlns:p="http://schemas.openxmlformats.org/presentationml/2006/main">
+  <p:cSld>
+    <p:spTree>
+      <p:nvGrpSpPr>
+        <p:cNvPr id="1" name=""/>
+        <p:cNvGrpSpPr/>
+        <p:nvPr/>
+      </p:nvGrpSpPr>
+      <p:grpSpPr>
+        <a:xfrm>
+          <a:off x="0" y="0"/>
+          <a:ext cx="0" cy="0"/>
+          <a:chOff x="0" y="0"/>
+          <a:chExt cx="0" cy="0"/>
+        </a:xfrm>
+      </p:grpSpPr>
+      <p:sp>
+        <p:nvSpPr>
+          <p:cNvPr id="2" name="Title 1"/>
+          <p:cNvSpPr>
+            <a:spLocks noGrp="1"/>
+          </p:cNvSpPr>
+          <p:nvPr>
+            <p:ph type="title"/>
+          </p:nvPr>
+        </p:nvSpPr>
+        <p:spPr/>
+        <p:txBody>
+          <a:bodyPr/>
+          <a:lstStyle/>
+          <a:p>
+            <a:endParaRPr lang="en-US"/>
+          </a:p>
+        </p:txBody>
+      </p:sp>
+      <p:sp>
+        <p:nvSpPr>
+          <p:cNvPr id="3" name="Content Placeholder 2"/>
+          <p:cNvSpPr>
+            <a:spLocks noGrp="1"/>
+          </p:cNvSpPr>
+          <p:nvPr>
+            <p:ph sz="quarter" idx="10"/>
+          </p:nvPr>
+        </p:nvSpPr>
+        <p:spPr/>
+        <p:txBody>
+          <a:bodyPr>
+            <a:normAutofit/>
+          </a:bodyPr>
+          <a:lstStyle/>
+          <a:p>
+            <a:r>
+              <a:rPr lang="en-US" b="1" dirty="0"/>
+              <a:t>package '</a:t>
+            </a:r>
+            <a:r>
+              <a:rPr lang="en-US" b="1" dirty="0" err="1"/>
+              <a:t>httpd</a:t>
+            </a:r>
+            <a:r>
+              <a:rPr lang="en-US" b="1" dirty="0"/>
+              <a:t>' do</a:t>
+            </a:r>
+          </a:p>
+          <a:p>
+            <a:r>
+              <a:rPr lang="en-US" b="1" dirty="0"/>
+              <a:t>  action :install</a:t>
+            </a:r>
+          </a:p>
+          <a:p>
+            <a:r>
+              <a:rPr lang="en-US" b="1" dirty="0" smtClean="0"/>
+              <a:t>end</a:t>
+            </a:r>
+          </a:p>
+          <a:p>
+            <a:endParaRPr lang="en-US" b="1" dirty="0" smtClean="0"/>
+          </a:p>
+          <a:p>
+            <a:r>
+              <a:rPr lang="en-US" b="1" dirty="0"/>
+              <a:t>file '/</a:t>
+            </a:r>
+            <a:r>
+              <a:rPr lang="en-US" b="1" dirty="0" err="1"/>
+              <a:t>var</a:t>
+            </a:r>
+            <a:r>
+              <a:rPr lang="en-US" b="1" dirty="0"/>
+              <a:t>/www/html/</a:t>
+            </a:r>
+            <a:r>
+              <a:rPr lang="en-US" b="1" dirty="0" err="1"/>
+              <a:t>index.html</a:t>
+            </a:r>
+            <a:r>
+              <a:rPr lang="en-US" b="1" dirty="0"/>
+              <a:t>' do</a:t>
+            </a:r>
+          </a:p>
+          <a:p>
+            <a:r>
+              <a:rPr lang="en-US" b="1" dirty="0"/>
+              <a:t>  content '&lt;h1&gt;Hello, world!&lt;/h1&gt;'</a:t>
+            </a:r>
+          </a:p>
+          <a:p>
+            <a:r>
+              <a:rPr lang="en-US" b="1" dirty="0"/>
+              <a:t>end</a:t>
+            </a:r>
+          </a:p>
+          <a:p>
+            <a:endParaRPr lang="en-US" b="1" dirty="0"/>
+          </a:p>
+          <a:p>
+            <a:r>
+              <a:rPr lang="en-US" b="1" dirty="0"/>
+              <a:t>service '</a:t>
+            </a:r>
+            <a:r>
+              <a:rPr lang="en-US" b="1" dirty="0" err="1"/>
+              <a:t>httpd</a:t>
+            </a:r>
+            <a:r>
+              <a:rPr lang="en-US" b="1" dirty="0"/>
+              <a:t>' do</a:t>
+            </a:r>
+          </a:p>
+          <a:p>
+            <a:r>
+              <a:rPr lang="en-US" b="1" dirty="0"/>
+              <a:t>  action [:start, :enable]</a:t>
+            </a:r>
+          </a:p>
+          <a:p>
+            <a:r>
+              <a:rPr lang="en-US" b="1" dirty="0"/>
+              <a:t>end</a:t>
+            </a:r>
+          </a:p>
+          <a:p>
+            <a:endParaRPr lang="en-US" dirty="0"/>
+          </a:p>
+        </p:txBody>
+      </p:sp>
+      <p:sp>
+        <p:nvSpPr>
+          <p:cNvPr id="4" name="Text Placeholder 3"/>
+          <p:cNvSpPr>
+            <a:spLocks noGrp="1"/>
+          </p:cNvSpPr>
+          <p:nvPr>
+            <p:ph type="body" sz="quarter" idx="11"/>
+          </p:nvPr>
+        </p:nvSpPr>
+        <p:spPr/>
+        <p:txBody>
+          <a:bodyPr/>
+          <a:lstStyle/>
+          <a:p>
+            <a:endParaRPr lang="en-US"/>
+          </a:p>
+        </p:txBody>
+      </p:sp>
+      <p:sp>
+        <p:nvSpPr>
+          <p:cNvPr id="6" name="Text Placeholder 5"/>
+          <p:cNvSpPr>
+            <a:spLocks noGrp="1"/>
+          </p:cNvSpPr>
+          <p:nvPr>
+            <p:ph type="body" sz="quarter" idx="13"/>
+          </p:nvPr>
+        </p:nvSpPr>
+        <p:spPr>
+          <a:xfrm>
+            <a:off x="1135042" y="4206982"/>
+            <a:ext cx="14404273" cy="1591145"/>
+          </a:xfrm>
+        </p:spPr>
+        <p:txBody>
+          <a:bodyPr/>
+          <a:lstStyle/>
+          <a:p>
+            <a:endParaRPr lang="en-US" dirty="0"/>
+          </a:p>
+        </p:txBody>
+      </p:sp>
+    </p:spTree>
+    <p:extLst>
+      <p:ext uri="{BB962C8B-B14F-4D97-AF65-F5344CB8AC3E}">
+        <p14:creationId xmlns:p14="http://schemas.microsoft.com/office/powerpoint/2010/main" val="1347499832"/>
+      </p:ext>
+    </p:extLst>
+  </p:cSld>
+  <p:clrMapOvr>
+    <a:masterClrMapping/>
+  </p:clrMapOvr>
+  <p:transition spd="med">
+    <p:fade/>
+  </p:transition>
+</p:sld>
+</file>
+
+<file path=ppt/slides/slide31.xml><?xml version="1.0" encoding="utf-8"?>
+<p:sld xmlns:a="http://schemas.openxmlformats.org/drawingml/2006/main" xmlns:r="http://schemas.openxmlformats.org/officeDocument/2006/relationships" xmlns:p="http://schemas.openxmlformats.org/presentationml/2006/main">
+  <p:cSld>
+    <p:spTree>
+      <p:nvGrpSpPr>
+        <p:cNvPr id="1" name=""/>
+        <p:cNvGrpSpPr/>
+        <p:nvPr/>
+      </p:nvGrpSpPr>
+      <p:grpSpPr>
+        <a:xfrm>
+          <a:off x="0" y="0"/>
+          <a:ext cx="0" cy="0"/>
+          <a:chOff x="0" y="0"/>
+          <a:chExt cx="0" cy="0"/>
+        </a:xfrm>
+      </p:grpSpPr>
+      <p:sp>
+        <p:nvSpPr>
+          <p:cNvPr id="2" name="Title 1"/>
+          <p:cNvSpPr>
+            <a:spLocks noGrp="1"/>
+          </p:cNvSpPr>
+          <p:nvPr>
+            <p:ph type="title"/>
+          </p:nvPr>
+        </p:nvSpPr>
+        <p:spPr/>
+        <p:txBody>
+          <a:bodyPr/>
+          <a:lstStyle/>
+          <a:p>
+            <a:endParaRPr lang="en-US"/>
+          </a:p>
+        </p:txBody>
+      </p:sp>
+      <p:sp>
+        <p:nvSpPr>
+          <p:cNvPr id="3" name="Content Placeholder 2"/>
+          <p:cNvSpPr>
+            <a:spLocks noGrp="1"/>
+          </p:cNvSpPr>
+          <p:nvPr>
+            <p:ph sz="quarter" idx="10"/>
+          </p:nvPr>
+        </p:nvSpPr>
+        <p:spPr/>
+        <p:txBody>
+          <a:bodyPr/>
+          <a:lstStyle/>
+          <a:p>
+            <a:endParaRPr lang="en-US"/>
+          </a:p>
+        </p:txBody>
+      </p:sp>
+      <p:sp>
+        <p:nvSpPr>
+          <p:cNvPr id="4" name="Text Placeholder 3"/>
+          <p:cNvSpPr>
+            <a:spLocks noGrp="1"/>
+          </p:cNvSpPr>
+          <p:nvPr>
+            <p:ph type="body" sz="quarter" idx="11"/>
+          </p:nvPr>
+        </p:nvSpPr>
+        <p:spPr/>
+        <p:txBody>
+          <a:bodyPr/>
+          <a:lstStyle/>
+          <a:p>
+            <a:r>
+              <a:rPr lang="en-US" dirty="0" smtClean="0"/>
+              <a:t>&gt; kitchen converge</a:t>
+            </a:r>
+            <a:endParaRPr lang="en-US" dirty="0"/>
+          </a:p>
+        </p:txBody>
+      </p:sp>
+      <p:sp>
+        <p:nvSpPr>
+          <p:cNvPr id="5" name="Content Placeholder 4"/>
+          <p:cNvSpPr>
+            <a:spLocks noGrp="1"/>
+          </p:cNvSpPr>
+          <p:nvPr>
+            <p:ph sz="quarter" idx="12"/>
+          </p:nvPr>
+        </p:nvSpPr>
+        <p:spPr/>
+        <p:txBody>
+          <a:bodyPr/>
+          <a:lstStyle/>
+          <a:p>
+            <a:endParaRPr lang="en-US"/>
+          </a:p>
+        </p:txBody>
+      </p:sp>
+    </p:spTree>
+    <p:extLst>
+      <p:ext uri="{BB962C8B-B14F-4D97-AF65-F5344CB8AC3E}">
+        <p14:creationId xmlns:p14="http://schemas.microsoft.com/office/powerpoint/2010/main" val="1370377080"/>
+      </p:ext>
+    </p:extLst>
+  </p:cSld>
+  <p:clrMapOvr>
+    <a:masterClrMapping/>
+  </p:clrMapOvr>
+  <p:transition spd="med">
+    <p:fade/>
+  </p:transition>
+</p:sld>
+</file>
+
+<file path=ppt/slides/slide32.xml><?xml version="1.0" encoding="utf-8"?>
+<p:sld xmlns:a="http://schemas.openxmlformats.org/drawingml/2006/main" xmlns:r="http://schemas.openxmlformats.org/officeDocument/2006/relationships" xmlns:p="http://schemas.openxmlformats.org/presentationml/2006/main">
+  <p:cSld>
+    <p:spTree>
+      <p:nvGrpSpPr>
+        <p:cNvPr id="1" name=""/>
+        <p:cNvGrpSpPr/>
+        <p:nvPr/>
+      </p:nvGrpSpPr>
+      <p:grpSpPr>
+        <a:xfrm>
+          <a:off x="0" y="0"/>
+          <a:ext cx="0" cy="0"/>
+          <a:chOff x="0" y="0"/>
+          <a:chExt cx="0" cy="0"/>
+        </a:xfrm>
+      </p:grpSpPr>
+      <p:sp>
+        <p:nvSpPr>
+          <p:cNvPr id="2" name="Content Placeholder 1"/>
+          <p:cNvSpPr>
+            <a:spLocks noGrp="1"/>
+          </p:cNvSpPr>
+          <p:nvPr>
+            <p:ph sz="quarter" idx="10"/>
+          </p:nvPr>
+        </p:nvSpPr>
+        <p:spPr/>
+        <p:txBody>
+          <a:bodyPr/>
+          <a:lstStyle/>
+          <a:p>
+            <a:endParaRPr lang="en-US"/>
+          </a:p>
+        </p:txBody>
+      </p:sp>
+      <p:sp>
+        <p:nvSpPr>
+          <p:cNvPr id="3" name="Text Placeholder 2"/>
+          <p:cNvSpPr>
+            <a:spLocks noGrp="1"/>
+          </p:cNvSpPr>
+          <p:nvPr>
+            <p:ph type="body" sz="quarter" idx="11"/>
+          </p:nvPr>
+        </p:nvSpPr>
+        <p:spPr/>
+        <p:txBody>
+          <a:bodyPr/>
+          <a:lstStyle/>
+          <a:p>
+            <a:r>
+              <a:rPr lang="en-US" dirty="0" smtClean="0"/>
+              <a:t>&gt; curl </a:t>
+            </a:r>
+            <a:r>
+              <a:rPr lang="en-US" dirty="0" err="1" smtClean="0"/>
+              <a:t>localhost</a:t>
+            </a:r>
+            <a:endParaRPr lang="en-US" dirty="0"/>
+          </a:p>
+        </p:txBody>
+      </p:sp>
+      <p:sp>
+        <p:nvSpPr>
+          <p:cNvPr id="4" name="Content Placeholder 3"/>
+          <p:cNvSpPr>
+            <a:spLocks noGrp="1"/>
+          </p:cNvSpPr>
+          <p:nvPr>
+            <p:ph sz="quarter" idx="12"/>
+          </p:nvPr>
+        </p:nvSpPr>
+        <p:spPr/>
+        <p:txBody>
+          <a:bodyPr/>
+          <a:lstStyle/>
+          <a:p>
+            <a:endParaRPr lang="en-US"/>
+          </a:p>
+        </p:txBody>
+      </p:sp>
+      <p:sp>
+        <p:nvSpPr>
+          <p:cNvPr id="5" name="Title 4"/>
+          <p:cNvSpPr>
+            <a:spLocks noGrp="1"/>
+          </p:cNvSpPr>
+          <p:nvPr>
+            <p:ph type="title"/>
+          </p:nvPr>
+        </p:nvSpPr>
+        <p:spPr/>
+        <p:txBody>
+          <a:bodyPr/>
+          <a:lstStyle/>
+          <a:p>
+            <a:endParaRPr lang="en-US"/>
+          </a:p>
+        </p:txBody>
+      </p:sp>
+    </p:spTree>
+    <p:extLst>
+      <p:ext uri="{BB962C8B-B14F-4D97-AF65-F5344CB8AC3E}">
+        <p14:creationId xmlns:p14="http://schemas.microsoft.com/office/powerpoint/2010/main" val="1654740198"/>
+      </p:ext>
+    </p:extLst>
+  </p:cSld>
+  <p:clrMapOvr>
+    <a:masterClrMapping/>
+  </p:clrMapOvr>
+  <p:transition spd="med">
+    <p:fade/>
+  </p:transition>
+</p:sld>
+</file>
+
+<file path=ppt/slides/slide33.xml><?xml version="1.0" encoding="utf-8"?>
+<p:sld xmlns:a="http://schemas.openxmlformats.org/drawingml/2006/main" xmlns:r="http://schemas.openxmlformats.org/officeDocument/2006/relationships" xmlns:p="http://schemas.openxmlformats.org/presentationml/2006/main">
+  <p:cSld>
+    <p:spTree>
+      <p:nvGrpSpPr>
+        <p:cNvPr id="1" name=""/>
+        <p:cNvGrpSpPr/>
+        <p:nvPr/>
+      </p:nvGrpSpPr>
+      <p:grpSpPr>
+        <a:xfrm>
+          <a:off x="0" y="0"/>
+          <a:ext cx="0" cy="0"/>
+          <a:chOff x="0" y="0"/>
+          <a:chExt cx="0" cy="0"/>
+        </a:xfrm>
+      </p:grpSpPr>
+      <p:sp>
+        <p:nvSpPr>
+          <p:cNvPr id="2" name="Title 1"/>
+          <p:cNvSpPr>
+            <a:spLocks noGrp="1"/>
+          </p:cNvSpPr>
+          <p:nvPr>
+            <p:ph type="ctrTitle"/>
+          </p:nvPr>
+        </p:nvSpPr>
+        <p:spPr/>
+        <p:txBody>
+          <a:bodyPr>
+            <a:normAutofit fontScale="90000"/>
+          </a:bodyPr>
+          <a:lstStyle/>
+          <a:p>
+            <a:r>
+              <a:rPr lang="en-US" dirty="0" smtClean="0"/>
               <a:t>Discussion</a:t>
             </a:r>
             <a:endParaRPr lang="en-US" dirty="0"/>
@@ -8693,6 +12616,120 @@
     <p:extLst>
       <p:ext uri="{BB962C8B-B14F-4D97-AF65-F5344CB8AC3E}">
         <p14:creationId xmlns:p14="http://schemas.microsoft.com/office/powerpoint/2010/main" val="108599519"/>
+      </p:ext>
+    </p:extLst>
+  </p:cSld>
+  <p:clrMapOvr>
+    <a:masterClrMapping/>
+  </p:clrMapOvr>
+  <p:transition spd="med">
+    <p:fade/>
+  </p:transition>
+</p:sld>
+</file>
+
+<file path=ppt/slides/slide34.xml><?xml version="1.0" encoding="utf-8"?>
+<p:sld xmlns:a="http://schemas.openxmlformats.org/drawingml/2006/main" xmlns:r="http://schemas.openxmlformats.org/officeDocument/2006/relationships" xmlns:p="http://schemas.openxmlformats.org/presentationml/2006/main">
+  <p:cSld>
+    <p:spTree>
+      <p:nvGrpSpPr>
+        <p:cNvPr id="1" name=""/>
+        <p:cNvGrpSpPr/>
+        <p:nvPr/>
+      </p:nvGrpSpPr>
+      <p:grpSpPr>
+        <a:xfrm>
+          <a:off x="0" y="0"/>
+          <a:ext cx="0" cy="0"/>
+          <a:chOff x="0" y="0"/>
+          <a:chExt cx="0" cy="0"/>
+        </a:xfrm>
+      </p:grpSpPr>
+      <p:sp>
+        <p:nvSpPr>
+          <p:cNvPr id="2" name="Title 1"/>
+          <p:cNvSpPr>
+            <a:spLocks noGrp="1"/>
+          </p:cNvSpPr>
+          <p:nvPr>
+            <p:ph type="ctrTitle"/>
+          </p:nvPr>
+        </p:nvSpPr>
+        <p:spPr/>
+        <p:txBody>
+          <a:bodyPr>
+            <a:normAutofit fontScale="90000"/>
+          </a:bodyPr>
+          <a:lstStyle/>
+          <a:p>
+            <a:r>
+              <a:rPr lang="en-US" dirty="0" smtClean="0"/>
+              <a:t>Q&amp;A</a:t>
+            </a:r>
+            <a:endParaRPr lang="en-US" dirty="0"/>
+          </a:p>
+        </p:txBody>
+      </p:sp>
+      <p:sp>
+        <p:nvSpPr>
+          <p:cNvPr id="3" name="Subtitle 2"/>
+          <p:cNvSpPr>
+            <a:spLocks noGrp="1"/>
+          </p:cNvSpPr>
+          <p:nvPr>
+            <p:ph type="subTitle" idx="1"/>
+          </p:nvPr>
+        </p:nvSpPr>
+        <p:spPr/>
+        <p:txBody>
+          <a:bodyPr/>
+          <a:lstStyle/>
+          <a:p>
+            <a:r>
+              <a:rPr lang="en-US" dirty="0" smtClean="0"/>
+              <a:t>What questions can we answer for you?</a:t>
+            </a:r>
+            <a:endParaRPr lang="en-US" dirty="0"/>
+          </a:p>
+        </p:txBody>
+      </p:sp>
+    </p:spTree>
+    <p:extLst>
+      <p:ext uri="{BB962C8B-B14F-4D97-AF65-F5344CB8AC3E}">
+        <p14:creationId xmlns:p14="http://schemas.microsoft.com/office/powerpoint/2010/main" val="1063344956"/>
+      </p:ext>
+    </p:extLst>
+  </p:cSld>
+  <p:clrMapOvr>
+    <a:masterClrMapping/>
+  </p:clrMapOvr>
+  <p:transition spd="med">
+    <p:fade/>
+  </p:transition>
+</p:sld>
+</file>
+
+<file path=ppt/slides/slide35.xml><?xml version="1.0" encoding="utf-8"?>
+<p:sld xmlns:a="http://schemas.openxmlformats.org/drawingml/2006/main" xmlns:r="http://schemas.openxmlformats.org/officeDocument/2006/relationships" xmlns:p="http://schemas.openxmlformats.org/presentationml/2006/main">
+  <p:cSld>
+    <p:spTree>
+      <p:nvGrpSpPr>
+        <p:cNvPr id="1" name=""/>
+        <p:cNvGrpSpPr/>
+        <p:nvPr/>
+      </p:nvGrpSpPr>
+      <p:grpSpPr>
+        <a:xfrm>
+          <a:off x="0" y="0"/>
+          <a:ext cx="0" cy="0"/>
+          <a:chOff x="0" y="0"/>
+          <a:chExt cx="0" cy="0"/>
+        </a:xfrm>
+      </p:grpSpPr>
+    </p:spTree>
+    <p:extLst>
+      <p:ext uri="{BB962C8B-B14F-4D97-AF65-F5344CB8AC3E}">
+        <p14:creationId xmlns:p14="http://schemas.microsoft.com/office/powerpoint/2010/main" val="522763473"/>
       </p:ext>
     </p:extLst>
   </p:cSld>
@@ -8729,32 +12766,7 @@
             <a:spLocks noGrp="1"/>
           </p:cNvSpPr>
           <p:nvPr>
-            <p:ph type="ctrTitle"/>
-          </p:nvPr>
-        </p:nvSpPr>
-        <p:spPr/>
-        <p:txBody>
-          <a:bodyPr>
-            <a:normAutofit fontScale="90000"/>
-          </a:bodyPr>
-          <a:lstStyle/>
-          <a:p>
-            <a:r>
-              <a:rPr lang="en-US" dirty="0" smtClean="0"/>
-              <a:t>Q&amp;A</a:t>
-            </a:r>
-            <a:endParaRPr lang="en-US" dirty="0"/>
-          </a:p>
-        </p:txBody>
-      </p:sp>
-      <p:sp>
-        <p:nvSpPr>
-          <p:cNvPr id="3" name="Subtitle 2"/>
-          <p:cNvSpPr>
-            <a:spLocks noGrp="1"/>
-          </p:cNvSpPr>
-          <p:nvPr>
-            <p:ph type="subTitle" idx="1"/>
+            <p:ph type="title"/>
           </p:nvPr>
         </p:nvSpPr>
         <p:spPr/>
@@ -8762,18 +12774,75 @@
           <a:bodyPr/>
           <a:lstStyle/>
           <a:p>
+            <a:endParaRPr lang="en-US"/>
+          </a:p>
+        </p:txBody>
+      </p:sp>
+      <p:sp>
+        <p:nvSpPr>
+          <p:cNvPr id="3" name="Content Placeholder 2"/>
+          <p:cNvSpPr>
+            <a:spLocks noGrp="1"/>
+          </p:cNvSpPr>
+          <p:nvPr>
+            <p:ph sz="quarter" idx="10"/>
+          </p:nvPr>
+        </p:nvSpPr>
+        <p:spPr/>
+        <p:txBody>
+          <a:bodyPr/>
+          <a:lstStyle/>
+          <a:p>
+            <a:endParaRPr lang="en-US"/>
+          </a:p>
+        </p:txBody>
+      </p:sp>
+      <p:sp>
+        <p:nvSpPr>
+          <p:cNvPr id="4" name="Text Placeholder 3"/>
+          <p:cNvSpPr>
+            <a:spLocks noGrp="1"/>
+          </p:cNvSpPr>
+          <p:nvPr>
+            <p:ph type="body" sz="quarter" idx="11"/>
+          </p:nvPr>
+        </p:nvSpPr>
+        <p:spPr/>
+        <p:txBody>
+          <a:bodyPr/>
+          <a:lstStyle/>
+          <a:p>
             <a:r>
               <a:rPr lang="en-US" dirty="0" smtClean="0"/>
-              <a:t>What questions can we answer for you?</a:t>
+              <a:t>&gt; cd ~/chef-repo/cookbooks</a:t>
             </a:r>
             <a:endParaRPr lang="en-US" dirty="0"/>
+          </a:p>
+        </p:txBody>
+      </p:sp>
+      <p:sp>
+        <p:nvSpPr>
+          <p:cNvPr id="5" name="Content Placeholder 4"/>
+          <p:cNvSpPr>
+            <a:spLocks noGrp="1"/>
+          </p:cNvSpPr>
+          <p:nvPr>
+            <p:ph sz="quarter" idx="12"/>
+          </p:nvPr>
+        </p:nvSpPr>
+        <p:spPr/>
+        <p:txBody>
+          <a:bodyPr/>
+          <a:lstStyle/>
+          <a:p>
+            <a:endParaRPr lang="en-US"/>
           </a:p>
         </p:txBody>
       </p:sp>
     </p:spTree>
     <p:extLst>
       <p:ext uri="{BB962C8B-B14F-4D97-AF65-F5344CB8AC3E}">
-        <p14:creationId xmlns:p14="http://schemas.microsoft.com/office/powerpoint/2010/main" val="1063344956"/>
+        <p14:creationId xmlns:p14="http://schemas.microsoft.com/office/powerpoint/2010/main" val="1409032934"/>
       </p:ext>
     </p:extLst>
   </p:cSld>
@@ -8803,10 +12872,569 @@
           <a:chExt cx="0" cy="0"/>
         </a:xfrm>
       </p:grpSpPr>
+      <p:sp>
+        <p:nvSpPr>
+          <p:cNvPr id="2" name="Title 1"/>
+          <p:cNvSpPr>
+            <a:spLocks noGrp="1"/>
+          </p:cNvSpPr>
+          <p:nvPr>
+            <p:ph type="title"/>
+          </p:nvPr>
+        </p:nvSpPr>
+        <p:spPr/>
+        <p:txBody>
+          <a:bodyPr/>
+          <a:lstStyle/>
+          <a:p>
+            <a:endParaRPr lang="en-US"/>
+          </a:p>
+        </p:txBody>
+      </p:sp>
+      <p:sp>
+        <p:nvSpPr>
+          <p:cNvPr id="3" name="Content Placeholder 2"/>
+          <p:cNvSpPr>
+            <a:spLocks noGrp="1"/>
+          </p:cNvSpPr>
+          <p:nvPr>
+            <p:ph sz="quarter" idx="10"/>
+          </p:nvPr>
+        </p:nvSpPr>
+        <p:spPr/>
+        <p:txBody>
+          <a:bodyPr/>
+          <a:lstStyle/>
+          <a:p>
+            <a:endParaRPr lang="en-US"/>
+          </a:p>
+        </p:txBody>
+      </p:sp>
+      <p:sp>
+        <p:nvSpPr>
+          <p:cNvPr id="4" name="Text Placeholder 3"/>
+          <p:cNvSpPr>
+            <a:spLocks noGrp="1"/>
+          </p:cNvSpPr>
+          <p:nvPr>
+            <p:ph type="body" sz="quarter" idx="11"/>
+          </p:nvPr>
+        </p:nvSpPr>
+        <p:spPr/>
+        <p:txBody>
+          <a:bodyPr/>
+          <a:lstStyle/>
+          <a:p>
+            <a:r>
+              <a:rPr lang="en-US" dirty="0" smtClean="0"/>
+              <a:t>&gt; chef --help</a:t>
+            </a:r>
+            <a:endParaRPr lang="en-US" dirty="0"/>
+          </a:p>
+        </p:txBody>
+      </p:sp>
+      <p:sp>
+        <p:nvSpPr>
+          <p:cNvPr id="5" name="Content Placeholder 4"/>
+          <p:cNvSpPr>
+            <a:spLocks noGrp="1"/>
+          </p:cNvSpPr>
+          <p:nvPr>
+            <p:ph sz="quarter" idx="12"/>
+          </p:nvPr>
+        </p:nvSpPr>
+        <p:spPr/>
+        <p:txBody>
+          <a:bodyPr/>
+          <a:lstStyle/>
+          <a:p>
+            <a:endParaRPr lang="en-US"/>
+          </a:p>
+        </p:txBody>
+      </p:sp>
     </p:spTree>
     <p:extLst>
       <p:ext uri="{BB962C8B-B14F-4D97-AF65-F5344CB8AC3E}">
-        <p14:creationId xmlns:p14="http://schemas.microsoft.com/office/powerpoint/2010/main" val="522763473"/>
+        <p14:creationId xmlns:p14="http://schemas.microsoft.com/office/powerpoint/2010/main" val="286803197"/>
+      </p:ext>
+    </p:extLst>
+  </p:cSld>
+  <p:clrMapOvr>
+    <a:masterClrMapping/>
+  </p:clrMapOvr>
+  <p:transition spd="med">
+    <p:fade/>
+  </p:transition>
+</p:sld>
+</file>
+
+<file path=ppt/slides/slide6.xml><?xml version="1.0" encoding="utf-8"?>
+<p:sld xmlns:a="http://schemas.openxmlformats.org/drawingml/2006/main" xmlns:r="http://schemas.openxmlformats.org/officeDocument/2006/relationships" xmlns:p="http://schemas.openxmlformats.org/presentationml/2006/main">
+  <p:cSld>
+    <p:spTree>
+      <p:nvGrpSpPr>
+        <p:cNvPr id="1" name=""/>
+        <p:cNvGrpSpPr/>
+        <p:nvPr/>
+      </p:nvGrpSpPr>
+      <p:grpSpPr>
+        <a:xfrm>
+          <a:off x="0" y="0"/>
+          <a:ext cx="0" cy="0"/>
+          <a:chOff x="0" y="0"/>
+          <a:chExt cx="0" cy="0"/>
+        </a:xfrm>
+      </p:grpSpPr>
+      <p:sp>
+        <p:nvSpPr>
+          <p:cNvPr id="2" name="Title 1"/>
+          <p:cNvSpPr>
+            <a:spLocks noGrp="1"/>
+          </p:cNvSpPr>
+          <p:nvPr>
+            <p:ph type="title"/>
+          </p:nvPr>
+        </p:nvSpPr>
+        <p:spPr/>
+        <p:txBody>
+          <a:bodyPr/>
+          <a:lstStyle/>
+          <a:p>
+            <a:endParaRPr lang="en-US"/>
+          </a:p>
+        </p:txBody>
+      </p:sp>
+      <p:sp>
+        <p:nvSpPr>
+          <p:cNvPr id="3" name="Content Placeholder 2"/>
+          <p:cNvSpPr>
+            <a:spLocks noGrp="1"/>
+          </p:cNvSpPr>
+          <p:nvPr>
+            <p:ph sz="quarter" idx="10"/>
+          </p:nvPr>
+        </p:nvSpPr>
+        <p:spPr/>
+        <p:txBody>
+          <a:bodyPr/>
+          <a:lstStyle/>
+          <a:p>
+            <a:endParaRPr lang="en-US"/>
+          </a:p>
+        </p:txBody>
+      </p:sp>
+      <p:sp>
+        <p:nvSpPr>
+          <p:cNvPr id="4" name="Text Placeholder 3"/>
+          <p:cNvSpPr>
+            <a:spLocks noGrp="1"/>
+          </p:cNvSpPr>
+          <p:nvPr>
+            <p:ph type="body" sz="quarter" idx="11"/>
+          </p:nvPr>
+        </p:nvSpPr>
+        <p:spPr/>
+        <p:txBody>
+          <a:bodyPr/>
+          <a:lstStyle/>
+          <a:p>
+            <a:r>
+              <a:rPr lang="en-US" dirty="0" smtClean="0"/>
+              <a:t>&gt; chef generate --help</a:t>
+            </a:r>
+            <a:endParaRPr lang="en-US" dirty="0"/>
+          </a:p>
+        </p:txBody>
+      </p:sp>
+      <p:sp>
+        <p:nvSpPr>
+          <p:cNvPr id="5" name="Content Placeholder 4"/>
+          <p:cNvSpPr>
+            <a:spLocks noGrp="1"/>
+          </p:cNvSpPr>
+          <p:nvPr>
+            <p:ph sz="quarter" idx="12"/>
+          </p:nvPr>
+        </p:nvSpPr>
+        <p:spPr/>
+        <p:txBody>
+          <a:bodyPr/>
+          <a:lstStyle/>
+          <a:p>
+            <a:endParaRPr lang="en-US"/>
+          </a:p>
+        </p:txBody>
+      </p:sp>
+    </p:spTree>
+    <p:extLst>
+      <p:ext uri="{BB962C8B-B14F-4D97-AF65-F5344CB8AC3E}">
+        <p14:creationId xmlns:p14="http://schemas.microsoft.com/office/powerpoint/2010/main" val="1135858124"/>
+      </p:ext>
+    </p:extLst>
+  </p:cSld>
+  <p:clrMapOvr>
+    <a:masterClrMapping/>
+  </p:clrMapOvr>
+  <p:transition spd="med">
+    <p:fade/>
+  </p:transition>
+</p:sld>
+</file>
+
+<file path=ppt/slides/slide7.xml><?xml version="1.0" encoding="utf-8"?>
+<p:sld xmlns:a="http://schemas.openxmlformats.org/drawingml/2006/main" xmlns:r="http://schemas.openxmlformats.org/officeDocument/2006/relationships" xmlns:p="http://schemas.openxmlformats.org/presentationml/2006/main">
+  <p:cSld>
+    <p:spTree>
+      <p:nvGrpSpPr>
+        <p:cNvPr id="1" name=""/>
+        <p:cNvGrpSpPr/>
+        <p:nvPr/>
+      </p:nvGrpSpPr>
+      <p:grpSpPr>
+        <a:xfrm>
+          <a:off x="0" y="0"/>
+          <a:ext cx="0" cy="0"/>
+          <a:chOff x="0" y="0"/>
+          <a:chExt cx="0" cy="0"/>
+        </a:xfrm>
+      </p:grpSpPr>
+      <p:sp>
+        <p:nvSpPr>
+          <p:cNvPr id="2" name="Title 1"/>
+          <p:cNvSpPr>
+            <a:spLocks noGrp="1"/>
+          </p:cNvSpPr>
+          <p:nvPr>
+            <p:ph type="title"/>
+          </p:nvPr>
+        </p:nvSpPr>
+        <p:spPr/>
+        <p:txBody>
+          <a:bodyPr/>
+          <a:lstStyle/>
+          <a:p>
+            <a:endParaRPr lang="en-US"/>
+          </a:p>
+        </p:txBody>
+      </p:sp>
+      <p:sp>
+        <p:nvSpPr>
+          <p:cNvPr id="3" name="Content Placeholder 2"/>
+          <p:cNvSpPr>
+            <a:spLocks noGrp="1"/>
+          </p:cNvSpPr>
+          <p:nvPr>
+            <p:ph sz="quarter" idx="10"/>
+          </p:nvPr>
+        </p:nvSpPr>
+        <p:spPr/>
+        <p:txBody>
+          <a:bodyPr/>
+          <a:lstStyle/>
+          <a:p>
+            <a:endParaRPr lang="en-US"/>
+          </a:p>
+        </p:txBody>
+      </p:sp>
+      <p:sp>
+        <p:nvSpPr>
+          <p:cNvPr id="4" name="Text Placeholder 3"/>
+          <p:cNvSpPr>
+            <a:spLocks noGrp="1"/>
+          </p:cNvSpPr>
+          <p:nvPr>
+            <p:ph type="body" sz="quarter" idx="11"/>
+          </p:nvPr>
+        </p:nvSpPr>
+        <p:spPr/>
+        <p:txBody>
+          <a:bodyPr/>
+          <a:lstStyle/>
+          <a:p>
+            <a:r>
+              <a:rPr lang="en-US" dirty="0" smtClean="0"/>
+              <a:t>&gt; chef generate cookbook --help</a:t>
+            </a:r>
+            <a:endParaRPr lang="en-US" dirty="0"/>
+          </a:p>
+        </p:txBody>
+      </p:sp>
+      <p:sp>
+        <p:nvSpPr>
+          <p:cNvPr id="5" name="Content Placeholder 4"/>
+          <p:cNvSpPr>
+            <a:spLocks noGrp="1"/>
+          </p:cNvSpPr>
+          <p:nvPr>
+            <p:ph sz="quarter" idx="12"/>
+          </p:nvPr>
+        </p:nvSpPr>
+        <p:spPr/>
+        <p:txBody>
+          <a:bodyPr/>
+          <a:lstStyle/>
+          <a:p>
+            <a:endParaRPr lang="en-US"/>
+          </a:p>
+        </p:txBody>
+      </p:sp>
+    </p:spTree>
+    <p:extLst>
+      <p:ext uri="{BB962C8B-B14F-4D97-AF65-F5344CB8AC3E}">
+        <p14:creationId xmlns:p14="http://schemas.microsoft.com/office/powerpoint/2010/main" val="622225280"/>
+      </p:ext>
+    </p:extLst>
+  </p:cSld>
+  <p:clrMapOvr>
+    <a:masterClrMapping/>
+  </p:clrMapOvr>
+  <p:transition spd="med">
+    <p:fade/>
+  </p:transition>
+</p:sld>
+</file>
+
+<file path=ppt/slides/slide8.xml><?xml version="1.0" encoding="utf-8"?>
+<p:sld xmlns:a="http://schemas.openxmlformats.org/drawingml/2006/main" xmlns:r="http://schemas.openxmlformats.org/officeDocument/2006/relationships" xmlns:p="http://schemas.openxmlformats.org/presentationml/2006/main">
+  <p:cSld>
+    <p:spTree>
+      <p:nvGrpSpPr>
+        <p:cNvPr id="1" name=""/>
+        <p:cNvGrpSpPr/>
+        <p:nvPr/>
+      </p:nvGrpSpPr>
+      <p:grpSpPr>
+        <a:xfrm>
+          <a:off x="0" y="0"/>
+          <a:ext cx="0" cy="0"/>
+          <a:chOff x="0" y="0"/>
+          <a:chExt cx="0" cy="0"/>
+        </a:xfrm>
+      </p:grpSpPr>
+      <p:sp>
+        <p:nvSpPr>
+          <p:cNvPr id="2" name="Title 1"/>
+          <p:cNvSpPr>
+            <a:spLocks noGrp="1"/>
+          </p:cNvSpPr>
+          <p:nvPr>
+            <p:ph type="title"/>
+          </p:nvPr>
+        </p:nvSpPr>
+        <p:spPr/>
+        <p:txBody>
+          <a:bodyPr/>
+          <a:lstStyle/>
+          <a:p>
+            <a:endParaRPr lang="en-US"/>
+          </a:p>
+        </p:txBody>
+      </p:sp>
+      <p:sp>
+        <p:nvSpPr>
+          <p:cNvPr id="3" name="Content Placeholder 2"/>
+          <p:cNvSpPr>
+            <a:spLocks noGrp="1"/>
+          </p:cNvSpPr>
+          <p:nvPr>
+            <p:ph sz="quarter" idx="10"/>
+          </p:nvPr>
+        </p:nvSpPr>
+        <p:spPr/>
+        <p:txBody>
+          <a:bodyPr/>
+          <a:lstStyle/>
+          <a:p>
+            <a:endParaRPr lang="en-US"/>
+          </a:p>
+        </p:txBody>
+      </p:sp>
+      <p:sp>
+        <p:nvSpPr>
+          <p:cNvPr id="4" name="Text Placeholder 3"/>
+          <p:cNvSpPr>
+            <a:spLocks noGrp="1"/>
+          </p:cNvSpPr>
+          <p:nvPr>
+            <p:ph type="body" sz="quarter" idx="11"/>
+          </p:nvPr>
+        </p:nvSpPr>
+        <p:spPr/>
+        <p:txBody>
+          <a:bodyPr/>
+          <a:lstStyle/>
+          <a:p>
+            <a:r>
+              <a:rPr lang="en-US" dirty="0" smtClean="0"/>
+              <a:t>&gt; chef generate cookbook apache</a:t>
+            </a:r>
+            <a:endParaRPr lang="en-US" dirty="0"/>
+          </a:p>
+        </p:txBody>
+      </p:sp>
+      <p:sp>
+        <p:nvSpPr>
+          <p:cNvPr id="5" name="Content Placeholder 4"/>
+          <p:cNvSpPr>
+            <a:spLocks noGrp="1"/>
+          </p:cNvSpPr>
+          <p:nvPr>
+            <p:ph sz="quarter" idx="12"/>
+          </p:nvPr>
+        </p:nvSpPr>
+        <p:spPr/>
+        <p:txBody>
+          <a:bodyPr/>
+          <a:lstStyle/>
+          <a:p>
+            <a:endParaRPr lang="en-US"/>
+          </a:p>
+        </p:txBody>
+      </p:sp>
+    </p:spTree>
+    <p:extLst>
+      <p:ext uri="{BB962C8B-B14F-4D97-AF65-F5344CB8AC3E}">
+        <p14:creationId xmlns:p14="http://schemas.microsoft.com/office/powerpoint/2010/main" val="1372813303"/>
+      </p:ext>
+    </p:extLst>
+  </p:cSld>
+  <p:clrMapOvr>
+    <a:masterClrMapping/>
+  </p:clrMapOvr>
+  <p:transition spd="med">
+    <p:fade/>
+  </p:transition>
+</p:sld>
+</file>
+
+<file path=ppt/slides/slide9.xml><?xml version="1.0" encoding="utf-8"?>
+<p:sld xmlns:a="http://schemas.openxmlformats.org/drawingml/2006/main" xmlns:r="http://schemas.openxmlformats.org/officeDocument/2006/relationships" xmlns:p="http://schemas.openxmlformats.org/presentationml/2006/main">
+  <p:cSld>
+    <p:spTree>
+      <p:nvGrpSpPr>
+        <p:cNvPr id="1" name=""/>
+        <p:cNvGrpSpPr/>
+        <p:nvPr/>
+      </p:nvGrpSpPr>
+      <p:grpSpPr>
+        <a:xfrm>
+          <a:off x="0" y="0"/>
+          <a:ext cx="0" cy="0"/>
+          <a:chOff x="0" y="0"/>
+          <a:chExt cx="0" cy="0"/>
+        </a:xfrm>
+      </p:grpSpPr>
+      <p:sp>
+        <p:nvSpPr>
+          <p:cNvPr id="2" name="Title 1"/>
+          <p:cNvSpPr>
+            <a:spLocks noGrp="1"/>
+          </p:cNvSpPr>
+          <p:nvPr>
+            <p:ph type="ctrTitle"/>
+          </p:nvPr>
+        </p:nvSpPr>
+        <p:spPr/>
+        <p:txBody>
+          <a:bodyPr>
+            <a:normAutofit fontScale="90000"/>
+          </a:bodyPr>
+          <a:lstStyle/>
+          <a:p>
+            <a:r>
+              <a:rPr lang="en-US" dirty="0" smtClean="0"/>
+              <a:t>Managing Apache on Linux</a:t>
+            </a:r>
+            <a:endParaRPr lang="en-US" dirty="0"/>
+          </a:p>
+        </p:txBody>
+      </p:sp>
+      <p:sp>
+        <p:nvSpPr>
+          <p:cNvPr id="3" name="Content Placeholder 2"/>
+          <p:cNvSpPr>
+            <a:spLocks noGrp="1"/>
+          </p:cNvSpPr>
+          <p:nvPr>
+            <p:ph sz="quarter" idx="11"/>
+          </p:nvPr>
+        </p:nvSpPr>
+        <p:spPr/>
+        <p:txBody>
+          <a:bodyPr/>
+          <a:lstStyle/>
+          <a:p>
+            <a:endParaRPr lang="en-US" dirty="0"/>
+          </a:p>
+        </p:txBody>
+      </p:sp>
+      <p:sp>
+        <p:nvSpPr>
+          <p:cNvPr id="4" name="Text Placeholder 3"/>
+          <p:cNvSpPr>
+            <a:spLocks noGrp="1"/>
+          </p:cNvSpPr>
+          <p:nvPr>
+            <p:ph type="body" sz="quarter" idx="10"/>
+          </p:nvPr>
+        </p:nvSpPr>
+        <p:spPr/>
+        <p:txBody>
+          <a:bodyPr/>
+          <a:lstStyle/>
+          <a:p>
+            <a:pPr marL="342900" indent="-342900">
+              <a:buFont typeface="Wingdings" charset="2"/>
+              <a:buChar char="ü"/>
+            </a:pPr>
+            <a:r>
+              <a:rPr lang="en-US" dirty="0" smtClean="0"/>
+              <a:t>Generate an apache cookbook</a:t>
+            </a:r>
+          </a:p>
+          <a:p>
+            <a:pPr marL="342900" indent="-342900">
+              <a:buFont typeface="Wingdings" charset="2"/>
+              <a:buChar char="q"/>
+            </a:pPr>
+            <a:r>
+              <a:rPr lang="en-US" dirty="0"/>
+              <a:t>C</a:t>
+            </a:r>
+            <a:r>
+              <a:rPr lang="en-US" dirty="0" smtClean="0"/>
+              <a:t>reate an instance to test the cookbook against</a:t>
+            </a:r>
+          </a:p>
+          <a:p>
+            <a:pPr marL="342900" indent="-342900">
+              <a:buFont typeface="Wingdings" charset="2"/>
+              <a:buChar char="q"/>
+            </a:pPr>
+            <a:r>
+              <a:rPr lang="en-US" dirty="0" smtClean="0"/>
+              <a:t>Write the recipe to install the apache package</a:t>
+            </a:r>
+          </a:p>
+          <a:p>
+            <a:pPr marL="342900" indent="-342900">
+              <a:buFont typeface="Wingdings" charset="2"/>
+              <a:buChar char="q"/>
+            </a:pPr>
+            <a:r>
+              <a:rPr lang="en-US" dirty="0" smtClean="0"/>
+              <a:t>Update the recipe to start and enable the apache service</a:t>
+            </a:r>
+          </a:p>
+          <a:p>
+            <a:endParaRPr lang="en-US" dirty="0"/>
+          </a:p>
+        </p:txBody>
+      </p:sp>
+    </p:spTree>
+    <p:extLst>
+      <p:ext uri="{BB962C8B-B14F-4D97-AF65-F5344CB8AC3E}">
+        <p14:creationId xmlns:p14="http://schemas.microsoft.com/office/powerpoint/2010/main" val="1724081540"/>
       </p:ext>
     </p:extLst>
   </p:cSld>
@@ -9195,7 +13823,7 @@
   <a:extraClrSchemeLst/>
   <a:extLst>
     <a:ext uri="{05A4C25C-085E-4340-85A3-A5531E510DB2}">
-      <thm15:themeFamily xmlns:thm15="http://schemas.microsoft.com/office/thememl/2012/main" name="Chef-TemplateComps_v09-16x9-Light.potx" id="{078CEFDB-FA7A-4E36-9964-13EF367585CB}" vid="{8B87B0F3-7308-43D5-8388-E1B49EA02652}"/>
+      <thm15:themeFamily xmlns:thm15="http://schemas.microsoft.com/office/thememl/2012/main" name="03-Cookbooks-windows" id="{1FEEC8DD-005A-D445-AD1E-EE4842C579E8}" vid="{7187196D-49CC-5843-99C5-1C207BAD8E72}"/>
     </a:ext>
   </a:extLst>
 </a:theme>
@@ -9577,7 +14205,7 @@
   <a:extraClrSchemeLst/>
   <a:extLst>
     <a:ext uri="{05A4C25C-085E-4340-85A3-A5531E510DB2}">
-      <thm15:themeFamily xmlns:thm15="http://schemas.microsoft.com/office/thememl/2012/main" name="Chef-TemplateComps_v09-16x9-Light.potx" id="{078CEFDB-FA7A-4E36-9964-13EF367585CB}" vid="{8B87B0F3-7308-43D5-8388-E1B49EA02652}"/>
+      <thm15:themeFamily xmlns:thm15="http://schemas.microsoft.com/office/thememl/2012/main" name="03-Cookbooks-windows" id="{1FEEC8DD-005A-D445-AD1E-EE4842C579E8}" vid="{86C231C4-44D8-4B4E-8D4E-650B8BEC8F74}"/>
     </a:ext>
   </a:extLst>
 </a:theme>

--- a/03-Cookbooks-windows.pptx
+++ b/03-Cookbooks-windows.pptx
@@ -1457,14 +1457,14 @@
           </a:ln>
           <a:extLst>
             <a:ext uri="{909E8E84-426E-40dd-AFC4-6F175D3DCCD1}">
-              <a14:hiddenFill xmlns="" xmlns:a14="http://schemas.microsoft.com/office/drawing/2010/main">
+              <a14:hiddenFill xmlns:a14="http://schemas.microsoft.com/office/drawing/2010/main" xmlns="">
                 <a:solidFill>
                   <a:srgbClr val="FFFFFF"/>
                 </a:solidFill>
               </a14:hiddenFill>
             </a:ext>
             <a:ext uri="{91240B29-F687-4f45-9708-019B960494DF}">
-              <a14:hiddenLine xmlns="" xmlns:a14="http://schemas.microsoft.com/office/drawing/2010/main" w="9525">
+              <a14:hiddenLine xmlns:a14="http://schemas.microsoft.com/office/drawing/2010/main" xmlns="" w="9525">
                 <a:solidFill>
                   <a:srgbClr val="000000"/>
                 </a:solidFill>
@@ -1612,14 +1612,14 @@
           </a:ln>
           <a:extLst>
             <a:ext uri="{909E8E84-426E-40dd-AFC4-6F175D3DCCD1}">
-              <a14:hiddenFill xmlns="" xmlns:a14="http://schemas.microsoft.com/office/drawing/2010/main">
+              <a14:hiddenFill xmlns:a14="http://schemas.microsoft.com/office/drawing/2010/main" xmlns="">
                 <a:solidFill>
                   <a:srgbClr val="FFFFFF"/>
                 </a:solidFill>
               </a14:hiddenFill>
             </a:ext>
             <a:ext uri="{91240B29-F687-4f45-9708-019B960494DF}">
-              <a14:hiddenLine xmlns="" xmlns:a14="http://schemas.microsoft.com/office/drawing/2010/main" w="9525">
+              <a14:hiddenLine xmlns:a14="http://schemas.microsoft.com/office/drawing/2010/main" xmlns="" w="9525">
                 <a:solidFill>
                   <a:srgbClr val="000000"/>
                 </a:solidFill>
@@ -2110,14 +2110,14 @@
           </a:ln>
           <a:extLst>
             <a:ext uri="{909E8E84-426E-40dd-AFC4-6F175D3DCCD1}">
-              <a14:hiddenFill xmlns="" xmlns:a14="http://schemas.microsoft.com/office/drawing/2010/main">
+              <a14:hiddenFill xmlns:a14="http://schemas.microsoft.com/office/drawing/2010/main" xmlns="">
                 <a:solidFill>
                   <a:srgbClr val="FFFFFF"/>
                 </a:solidFill>
               </a14:hiddenFill>
             </a:ext>
             <a:ext uri="{91240B29-F687-4f45-9708-019B960494DF}">
-              <a14:hiddenLine xmlns="" xmlns:a14="http://schemas.microsoft.com/office/drawing/2010/main" w="9525">
+              <a14:hiddenLine xmlns:a14="http://schemas.microsoft.com/office/drawing/2010/main" xmlns="" w="9525">
                 <a:solidFill>
                   <a:srgbClr val="000000"/>
                 </a:solidFill>
@@ -3566,14 +3566,14 @@
           </a:ln>
           <a:extLst>
             <a:ext uri="{909E8E84-426E-40dd-AFC4-6F175D3DCCD1}">
-              <a14:hiddenFill xmlns="" xmlns:a14="http://schemas.microsoft.com/office/drawing/2010/main">
+              <a14:hiddenFill xmlns:a14="http://schemas.microsoft.com/office/drawing/2010/main" xmlns="">
                 <a:solidFill>
                   <a:srgbClr val="FFFFFF"/>
                 </a:solidFill>
               </a14:hiddenFill>
             </a:ext>
             <a:ext uri="{91240B29-F687-4f45-9708-019B960494DF}">
-              <a14:hiddenLine xmlns="" xmlns:a14="http://schemas.microsoft.com/office/drawing/2010/main" w="9525">
+              <a14:hiddenLine xmlns:a14="http://schemas.microsoft.com/office/drawing/2010/main" xmlns="" w="9525">
                 <a:solidFill>
                   <a:srgbClr val="000000"/>
                 </a:solidFill>
@@ -4927,14 +4927,14 @@
           </a:ln>
           <a:extLst>
             <a:ext uri="{909E8E84-426E-40dd-AFC4-6F175D3DCCD1}">
-              <a14:hiddenFill xmlns="" xmlns:a14="http://schemas.microsoft.com/office/drawing/2010/main">
+              <a14:hiddenFill xmlns:a14="http://schemas.microsoft.com/office/drawing/2010/main" xmlns="">
                 <a:solidFill>
                   <a:srgbClr val="FFFFFF"/>
                 </a:solidFill>
               </a14:hiddenFill>
             </a:ext>
             <a:ext uri="{91240B29-F687-4f45-9708-019B960494DF}">
-              <a14:hiddenLine xmlns="" xmlns:a14="http://schemas.microsoft.com/office/drawing/2010/main" w="9525">
+              <a14:hiddenLine xmlns:a14="http://schemas.microsoft.com/office/drawing/2010/main" xmlns="" w="9525">
                 <a:solidFill>
                   <a:srgbClr val="000000"/>
                 </a:solidFill>
@@ -5290,14 +5290,14 @@
           </a:ln>
           <a:extLst>
             <a:ext uri="{909E8E84-426E-40dd-AFC4-6F175D3DCCD1}">
-              <a14:hiddenFill xmlns="" xmlns:a14="http://schemas.microsoft.com/office/drawing/2010/main">
+              <a14:hiddenFill xmlns:a14="http://schemas.microsoft.com/office/drawing/2010/main" xmlns="">
                 <a:solidFill>
                   <a:srgbClr val="FFFFFF"/>
                 </a:solidFill>
               </a14:hiddenFill>
             </a:ext>
             <a:ext uri="{91240B29-F687-4f45-9708-019B960494DF}">
-              <a14:hiddenLine xmlns="" xmlns:a14="http://schemas.microsoft.com/office/drawing/2010/main" w="9525">
+              <a14:hiddenLine xmlns:a14="http://schemas.microsoft.com/office/drawing/2010/main" xmlns="" w="9525">
                 <a:solidFill>
                   <a:srgbClr val="000000"/>
                 </a:solidFill>
@@ -5665,14 +5665,14 @@
           </a:ln>
           <a:extLst>
             <a:ext uri="{909E8E84-426E-40dd-AFC4-6F175D3DCCD1}">
-              <a14:hiddenFill xmlns="" xmlns:a14="http://schemas.microsoft.com/office/drawing/2010/main">
+              <a14:hiddenFill xmlns:a14="http://schemas.microsoft.com/office/drawing/2010/main" xmlns="">
                 <a:solidFill>
                   <a:srgbClr val="FFFFFF"/>
                 </a:solidFill>
               </a14:hiddenFill>
             </a:ext>
             <a:ext uri="{91240B29-F687-4f45-9708-019B960494DF}">
-              <a14:hiddenLine xmlns="" xmlns:a14="http://schemas.microsoft.com/office/drawing/2010/main" w="9525">
+              <a14:hiddenLine xmlns:a14="http://schemas.microsoft.com/office/drawing/2010/main" xmlns="" w="9525">
                 <a:solidFill>
                   <a:srgbClr val="000000"/>
                 </a:solidFill>
@@ -6230,14 +6230,14 @@
           </a:ln>
           <a:extLst>
             <a:ext uri="{909E8E84-426E-40dd-AFC4-6F175D3DCCD1}">
-              <a14:hiddenFill xmlns="" xmlns:a14="http://schemas.microsoft.com/office/drawing/2010/main">
+              <a14:hiddenFill xmlns:a14="http://schemas.microsoft.com/office/drawing/2010/main" xmlns="">
                 <a:solidFill>
                   <a:srgbClr val="FFFFFF"/>
                 </a:solidFill>
               </a14:hiddenFill>
             </a:ext>
             <a:ext uri="{91240B29-F687-4f45-9708-019B960494DF}">
-              <a14:hiddenLine xmlns="" xmlns:a14="http://schemas.microsoft.com/office/drawing/2010/main" w="9525">
+              <a14:hiddenLine xmlns:a14="http://schemas.microsoft.com/office/drawing/2010/main" xmlns="" w="9525">
                 <a:solidFill>
                   <a:srgbClr val="000000"/>
                 </a:solidFill>
@@ -6804,14 +6804,14 @@
           </a:ln>
           <a:extLst>
             <a:ext uri="{909E8E84-426E-40dd-AFC4-6F175D3DCCD1}">
-              <a14:hiddenFill xmlns="" xmlns:a14="http://schemas.microsoft.com/office/drawing/2010/main">
+              <a14:hiddenFill xmlns:a14="http://schemas.microsoft.com/office/drawing/2010/main" xmlns="">
                 <a:solidFill>
                   <a:srgbClr val="FFFFFF"/>
                 </a:solidFill>
               </a14:hiddenFill>
             </a:ext>
             <a:ext uri="{91240B29-F687-4f45-9708-019B960494DF}">
-              <a14:hiddenLine xmlns="" xmlns:a14="http://schemas.microsoft.com/office/drawing/2010/main" w="9525">
+              <a14:hiddenLine xmlns:a14="http://schemas.microsoft.com/office/drawing/2010/main" xmlns="" w="9525">
                 <a:solidFill>
                   <a:srgbClr val="000000"/>
                 </a:solidFill>
@@ -7751,14 +7751,14 @@
           </a:ln>
           <a:extLst>
             <a:ext uri="{909E8E84-426E-40dd-AFC4-6F175D3DCCD1}">
-              <a14:hiddenFill xmlns="" xmlns:a14="http://schemas.microsoft.com/office/drawing/2010/main">
+              <a14:hiddenFill xmlns:a14="http://schemas.microsoft.com/office/drawing/2010/main" xmlns="">
                 <a:solidFill>
                   <a:srgbClr val="FFFFFF"/>
                 </a:solidFill>
               </a14:hiddenFill>
             </a:ext>
             <a:ext uri="{91240B29-F687-4f45-9708-019B960494DF}">
-              <a14:hiddenLine xmlns="" xmlns:a14="http://schemas.microsoft.com/office/drawing/2010/main" w="9525">
+              <a14:hiddenLine xmlns:a14="http://schemas.microsoft.com/office/drawing/2010/main" xmlns="" w="9525">
                 <a:solidFill>
                   <a:srgbClr val="000000"/>
                 </a:solidFill>
@@ -8498,14 +8498,14 @@
           </a:ln>
           <a:extLst>
             <a:ext uri="{909E8E84-426E-40dd-AFC4-6F175D3DCCD1}">
-              <a14:hiddenFill xmlns="" xmlns:a14="http://schemas.microsoft.com/office/drawing/2010/main">
+              <a14:hiddenFill xmlns:a14="http://schemas.microsoft.com/office/drawing/2010/main" xmlns="">
                 <a:solidFill>
                   <a:srgbClr val="FFFFFF"/>
                 </a:solidFill>
               </a14:hiddenFill>
             </a:ext>
             <a:ext uri="{91240B29-F687-4f45-9708-019B960494DF}">
-              <a14:hiddenLine xmlns="" xmlns:a14="http://schemas.microsoft.com/office/drawing/2010/main" w="9525">
+              <a14:hiddenLine xmlns:a14="http://schemas.microsoft.com/office/drawing/2010/main" xmlns="" w="9525">
                 <a:solidFill>
                   <a:srgbClr val="000000"/>
                 </a:solidFill>
@@ -9247,7 +9247,11 @@
           <a:bodyPr/>
           <a:lstStyle/>
           <a:p>
-            <a:endParaRPr lang="en-US"/>
+            <a:r>
+              <a:rPr lang="en-US" dirty="0" smtClean="0"/>
+              <a:t>Cookbooks</a:t>
+            </a:r>
+            <a:endParaRPr lang="en-US" dirty="0"/>
           </a:p>
         </p:txBody>
       </p:sp>
@@ -9266,7 +9270,11 @@
           <a:bodyPr/>
           <a:lstStyle/>
           <a:p>
-            <a:endParaRPr lang="en-US"/>
+            <a:r>
+              <a:rPr lang="en-US" dirty="0" smtClean="0"/>
+              <a:t>Organizing Recipes</a:t>
+            </a:r>
+            <a:endParaRPr lang="en-US" dirty="0"/>
           </a:p>
         </p:txBody>
       </p:sp>
@@ -12277,7 +12285,19 @@
           <a:bodyPr/>
           <a:lstStyle/>
           <a:p>
-            <a:endParaRPr lang="en-US"/>
+            <a:r>
+              <a:rPr lang="en-US" dirty="0"/>
+              <a:t>~/</a:t>
+            </a:r>
+            <a:r>
+              <a:rPr lang="en-US" dirty="0" smtClean="0"/>
+              <a:t>chef-repo/cookbooks/apache/</a:t>
+            </a:r>
+            <a:r>
+              <a:rPr lang="en-US" dirty="0" err="1" smtClean="0"/>
+              <a:t>server.rb</a:t>
+            </a:r>
+            <a:endParaRPr lang="en-US" dirty="0"/>
           </a:p>
         </p:txBody>
       </p:sp>
